--- a/test/pptx/incremental-lists/without-flag/output.pptx
+++ b/test/pptx/incremental-lists/without-flag/output.pptx
@@ -3161,35 +3161,35 @@
           <a:bodyPr/>
           <a:lstStyle/>
           <a:p>
-            <a:pPr lvl="1"/>
+            <a:pPr lvl="0"/>
             <a:r>
               <a:rPr/>
               <a:t>These</a:t>
             </a:r>
           </a:p>
           <a:p>
-            <a:pPr lvl="1"/>
+            <a:pPr lvl="0"/>
             <a:r>
               <a:rPr/>
               <a:t>bullets</a:t>
             </a:r>
           </a:p>
           <a:p>
-            <a:pPr lvl="1"/>
+            <a:pPr lvl="0"/>
             <a:r>
               <a:rPr/>
               <a:t>should</a:t>
             </a:r>
           </a:p>
           <a:p>
-            <a:pPr lvl="1"/>
+            <a:pPr lvl="0"/>
             <a:r>
               <a:rPr/>
               <a:t>be</a:t>
             </a:r>
           </a:p>
           <a:p>
-            <a:pPr lvl="1"/>
+            <a:pPr lvl="0"/>
             <a:r>
               <a:rPr/>
               <a:t>incremental</a:t>
@@ -3546,21 +3546,21 @@
             </a:r>
           </a:p>
           <a:p>
-            <a:pPr lvl="1"/>
+            <a:pPr lvl="0"/>
             <a:r>
               <a:rPr/>
               <a:t>one</a:t>
             </a:r>
           </a:p>
           <a:p>
-            <a:pPr lvl="1"/>
+            <a:pPr lvl="0"/>
             <a:r>
               <a:rPr/>
               <a:t>two</a:t>
             </a:r>
           </a:p>
           <a:p>
-            <a:pPr lvl="1"/>
+            <a:pPr lvl="0"/>
             <a:r>
               <a:rPr/>
               <a:t>three</a:t>
@@ -3576,21 +3576,21 @@
             </a:r>
           </a:p>
           <a:p>
-            <a:pPr lvl="1"/>
+            <a:pPr lvl="0"/>
             <a:r>
               <a:rPr/>
               <a:t>one</a:t>
             </a:r>
           </a:p>
           <a:p>
-            <a:pPr lvl="1"/>
+            <a:pPr lvl="0"/>
             <a:r>
               <a:rPr/>
               <a:t>two</a:t>
             </a:r>
           </a:p>
           <a:p>
-            <a:pPr lvl="1"/>
+            <a:pPr lvl="0"/>
             <a:r>
               <a:rPr/>
               <a:t>three</a:t>
@@ -3606,21 +3606,21 @@
             </a:r>
           </a:p>
           <a:p>
-            <a:pPr lvl="1"/>
+            <a:pPr lvl="0"/>
             <a:r>
               <a:rPr sz="2000"/>
               <a:t>one</a:t>
             </a:r>
           </a:p>
           <a:p>
-            <a:pPr lvl="1"/>
+            <a:pPr lvl="0"/>
             <a:r>
               <a:rPr sz="2000"/>
               <a:t>two</a:t>
             </a:r>
           </a:p>
           <a:p>
-            <a:pPr lvl="1"/>
+            <a:pPr lvl="0"/>
             <a:r>
               <a:rPr sz="2000"/>
               <a:t>three</a:t>
@@ -4017,42 +4017,42 @@
           <a:bodyPr/>
           <a:lstStyle/>
           <a:p>
-            <a:pPr lvl="1"/>
+            <a:pPr lvl="0"/>
             <a:r>
               <a:rPr/>
               <a:t>these</a:t>
             </a:r>
           </a:p>
           <a:p>
-            <a:pPr lvl="1"/>
+            <a:pPr lvl="0"/>
             <a:r>
               <a:rPr/>
               <a:t>are</a:t>
             </a:r>
           </a:p>
           <a:p>
-            <a:pPr lvl="1"/>
+            <a:pPr lvl="0"/>
             <a:r>
               <a:rPr/>
               <a:t>incremental</a:t>
             </a:r>
           </a:p>
           <a:p>
-            <a:pPr lvl="1"/>
+            <a:pPr lvl="0"/>
             <a:r>
               <a:rPr/>
               <a:t>these</a:t>
             </a:r>
           </a:p>
           <a:p>
-            <a:pPr lvl="1"/>
+            <a:pPr lvl="0"/>
             <a:r>
               <a:rPr/>
               <a:t>are</a:t>
             </a:r>
           </a:p>
           <a:p>
-            <a:pPr lvl="1"/>
+            <a:pPr lvl="0"/>
             <a:r>
               <a:rPr/>
               <a:t>not</a:t>
@@ -4302,21 +4302,21 @@
           <a:bodyPr/>
           <a:lstStyle/>
           <a:p>
-            <a:pPr lvl="1"/>
+            <a:pPr lvl="0"/>
             <a:r>
               <a:rPr/>
               <a:t>These</a:t>
             </a:r>
           </a:p>
           <a:p>
-            <a:pPr lvl="1"/>
+            <a:pPr lvl="0"/>
             <a:r>
               <a:rPr/>
               <a:t>are</a:t>
             </a:r>
           </a:p>
           <a:p>
-            <a:pPr lvl="1"/>
+            <a:pPr lvl="0"/>
             <a:r>
               <a:rPr/>
               <a:t>not</a:t>
@@ -4395,21 +4395,21 @@
             </a:r>
           </a:p>
           <a:p>
-            <a:pPr lvl="1"/>
+            <a:pPr lvl="0"/>
             <a:r>
               <a:rPr/>
               <a:t>also</a:t>
             </a:r>
           </a:p>
           <a:p>
-            <a:pPr lvl="1"/>
+            <a:pPr lvl="0"/>
             <a:r>
               <a:rPr/>
               <a:t>be</a:t>
             </a:r>
           </a:p>
           <a:p>
-            <a:pPr lvl="1"/>
+            <a:pPr lvl="0"/>
             <a:r>
               <a:rPr/>
               <a:t>incremental</a:t>
@@ -4659,7 +4659,7 @@
           <a:bodyPr/>
           <a:lstStyle/>
           <a:p>
-            <a:pPr lvl="1">
+            <a:pPr lvl="0">
               <a:buAutoNum type="arabicPeriod"/>
             </a:pPr>
             <a:r>
@@ -4668,7 +4668,7 @@
             </a:r>
           </a:p>
           <a:p>
-            <a:pPr lvl="1">
+            <a:pPr lvl="0">
               <a:buAutoNum type="arabicPeriod"/>
             </a:pPr>
             <a:r>
@@ -4677,7 +4677,7 @@
             </a:r>
           </a:p>
           <a:p>
-            <a:pPr lvl="1">
+            <a:pPr lvl="0">
               <a:buAutoNum type="arabicPeriod"/>
             </a:pPr>
             <a:r>
@@ -4947,21 +4947,21 @@
             </a:r>
           </a:p>
           <a:p>
-            <a:pPr lvl="1"/>
+            <a:pPr lvl="0"/>
             <a:r>
               <a:rPr/>
               <a:t>one</a:t>
             </a:r>
           </a:p>
           <a:p>
-            <a:pPr lvl="1"/>
+            <a:pPr lvl="0"/>
             <a:r>
               <a:rPr/>
               <a:t>by</a:t>
             </a:r>
           </a:p>
           <a:p>
-            <a:pPr lvl="1"/>
+            <a:pPr lvl="0"/>
             <a:r>
               <a:rPr/>
               <a:t>one</a:t>
@@ -5002,42 +5002,42 @@
             </a:r>
           </a:p>
           <a:p>
-            <a:pPr lvl="1"/>
+            <a:pPr lvl="0"/>
             <a:r>
               <a:rPr/>
               <a:t>one</a:t>
             </a:r>
           </a:p>
           <a:p>
-            <a:pPr lvl="1"/>
+            <a:pPr lvl="0"/>
             <a:r>
               <a:rPr/>
               <a:t>by</a:t>
             </a:r>
           </a:p>
           <a:p>
-            <a:pPr lvl="1"/>
+            <a:pPr lvl="0"/>
             <a:r>
               <a:rPr/>
               <a:t>one</a:t>
             </a:r>
           </a:p>
           <a:p>
-            <a:pPr lvl="1"/>
+            <a:pPr lvl="0"/>
             <a:r>
               <a:rPr/>
               <a:t>already</a:t>
             </a:r>
           </a:p>
           <a:p>
-            <a:pPr lvl="1"/>
+            <a:pPr lvl="0"/>
             <a:r>
               <a:rPr/>
               <a:t>here</a:t>
             </a:r>
           </a:p>
           <a:p>
-            <a:pPr lvl="1"/>
+            <a:pPr lvl="0"/>
             <a:r>
               <a:rPr/>
               <a:t>though</a:t>
@@ -5495,21 +5495,21 @@
           <a:bodyPr/>
           <a:lstStyle/>
           <a:p>
-            <a:pPr lvl="1"/>
+            <a:pPr lvl="0"/>
             <a:r>
               <a:rPr/>
               <a:t>An</a:t>
             </a:r>
           </a:p>
           <a:p>
-            <a:pPr lvl="1"/>
+            <a:pPr lvl="0"/>
             <a:r>
               <a:rPr/>
               <a:t>Incremental</a:t>
             </a:r>
           </a:p>
           <a:p>
-            <a:pPr lvl="1"/>
+            <a:pPr lvl="0"/>
             <a:r>
               <a:rPr/>
               <a:t>List</a:t>
@@ -5773,21 +5773,21 @@
             </a:r>
           </a:p>
           <a:p>
-            <a:pPr lvl="1"/>
+            <a:pPr lvl="0"/>
             <a:r>
               <a:rPr/>
               <a:t>one</a:t>
             </a:r>
           </a:p>
           <a:p>
-            <a:pPr lvl="1"/>
+            <a:pPr lvl="0"/>
             <a:r>
               <a:rPr/>
               <a:t>two</a:t>
             </a:r>
           </a:p>
           <a:p>
-            <a:pPr lvl="1"/>
+            <a:pPr lvl="0"/>
             <a:r>
               <a:rPr/>
               <a:t>three</a:t>
@@ -6106,21 +6106,21 @@
           <a:bodyPr/>
           <a:lstStyle/>
           <a:p>
-            <a:pPr lvl="1"/>
+            <a:pPr lvl="0"/>
             <a:r>
               <a:rPr/>
               <a:t>one</a:t>
             </a:r>
           </a:p>
           <a:p>
-            <a:pPr lvl="1"/>
+            <a:pPr lvl="0"/>
             <a:r>
               <a:rPr/>
               <a:t>two</a:t>
             </a:r>
           </a:p>
           <a:p>
-            <a:pPr lvl="1"/>
+            <a:pPr lvl="0"/>
             <a:r>
               <a:rPr/>
               <a:t>three</a:t>
@@ -6203,7 +6203,7 @@
           <a:bodyPr/>
           <a:lstStyle/>
           <a:p>
-            <a:pPr lvl="1">
+            <a:pPr lvl="0">
               <a:buAutoNum type="arabicPeriod"/>
             </a:pPr>
             <a:r>
@@ -6212,7 +6212,7 @@
             </a:r>
           </a:p>
           <a:p>
-            <a:pPr lvl="1">
+            <a:pPr lvl="0">
               <a:buAutoNum type="arabicPeriod"/>
             </a:pPr>
             <a:r>
@@ -6221,7 +6221,7 @@
             </a:r>
           </a:p>
           <a:p>
-            <a:pPr lvl="1">
+            <a:pPr lvl="0">
               <a:buAutoNum type="arabicPeriod"/>
             </a:pPr>
             <a:r>
@@ -6683,28 +6683,28 @@
           <a:bodyPr/>
           <a:lstStyle/>
           <a:p>
-            <a:pPr lvl="1"/>
+            <a:pPr lvl="0"/>
             <a:r>
               <a:rPr/>
               <a:t>these</a:t>
             </a:r>
           </a:p>
           <a:p>
-            <a:pPr lvl="1"/>
+            <a:pPr lvl="0"/>
             <a:r>
               <a:rPr/>
               <a:t>are</a:t>
             </a:r>
           </a:p>
           <a:p>
-            <a:pPr lvl="1"/>
+            <a:pPr lvl="0"/>
             <a:r>
               <a:rPr/>
               <a:t>incremental</a:t>
             </a:r>
           </a:p>
           <a:p>
-            <a:pPr lvl="1"/>
+            <a:pPr lvl="0"/>
             <a:r>
               <a:rPr/>
               <a:t>(the incremental class wins)</a:t>

--- a/test/pptx/incremental-lists/without-flag/output.pptx
+++ b/test/pptx/incremental-lists/without-flag/output.pptx
@@ -2869,7 +2869,7 @@
       </a:lvl1pPr>
     </p:titleStyle>
     <p:bodyStyle>
-      <a:lvl1pPr algn="l" defTabSz="457200" eaLnBrk="1" hangingPunct="1" indent="-342900" latinLnBrk="0" marL="342900" rtl="0">
+      <a:lvl1pPr algn="l" defTabSz="457200" eaLnBrk="1" hangingPunct="1" indent="-457200" latinLnBrk="0" marL="457200" rtl="0">
         <a:spcBef>
           <a:spcPct val="20000"/>
         </a:spcBef>
@@ -2884,7 +2884,7 @@
           <a:cs typeface="+mn-cs"/>
         </a:defRPr>
       </a:lvl1pPr>
-      <a:lvl2pPr algn="l" defTabSz="457200" eaLnBrk="1" hangingPunct="1" indent="-285750" latinLnBrk="0" marL="742950" rtl="0">
+      <a:lvl2pPr algn="l" defTabSz="457200" eaLnBrk="1" hangingPunct="1" indent="-457200" latinLnBrk="0" marL="914400" rtl="0">
         <a:spcBef>
           <a:spcPct val="20000"/>
         </a:spcBef>
@@ -2899,7 +2899,7 @@
           <a:cs typeface="+mn-cs"/>
         </a:defRPr>
       </a:lvl2pPr>
-      <a:lvl3pPr algn="l" defTabSz="457200" eaLnBrk="1" hangingPunct="1" indent="-228600" latinLnBrk="0" marL="1143000" rtl="0">
+      <a:lvl3pPr algn="l" defTabSz="457200" eaLnBrk="1" hangingPunct="1" indent="-457200" latinLnBrk="0" marL="1371600" rtl="0">
         <a:spcBef>
           <a:spcPct val="20000"/>
         </a:spcBef>
@@ -2914,7 +2914,7 @@
           <a:cs typeface="+mn-cs"/>
         </a:defRPr>
       </a:lvl3pPr>
-      <a:lvl4pPr algn="l" defTabSz="457200" eaLnBrk="1" hangingPunct="1" indent="-228600" latinLnBrk="0" marL="1600200" rtl="0">
+      <a:lvl4pPr algn="l" defTabSz="457200" eaLnBrk="1" hangingPunct="1" indent="-457200" latinLnBrk="0" marL="1828800" rtl="0">
         <a:spcBef>
           <a:spcPct val="20000"/>
         </a:spcBef>
@@ -2929,7 +2929,7 @@
           <a:cs typeface="+mn-cs"/>
         </a:defRPr>
       </a:lvl4pPr>
-      <a:lvl5pPr algn="l" defTabSz="457200" eaLnBrk="1" hangingPunct="1" indent="-228600" latinLnBrk="0" marL="2057400" rtl="0">
+      <a:lvl5pPr algn="l" defTabSz="457200" eaLnBrk="1" hangingPunct="1" indent="-457200" latinLnBrk="0" marL="2286000" rtl="0">
         <a:spcBef>
           <a:spcPct val="20000"/>
         </a:spcBef>
@@ -2944,7 +2944,7 @@
           <a:cs typeface="+mn-cs"/>
         </a:defRPr>
       </a:lvl5pPr>
-      <a:lvl6pPr algn="l" defTabSz="457200" eaLnBrk="1" hangingPunct="1" indent="-228600" latinLnBrk="0" marL="2514600" rtl="0">
+      <a:lvl6pPr algn="l" defTabSz="457200" eaLnBrk="1" hangingPunct="1" indent="-457200" latinLnBrk="0" marL="2743200" rtl="0">
         <a:spcBef>
           <a:spcPct val="20000"/>
         </a:spcBef>
@@ -2959,7 +2959,7 @@
           <a:cs typeface="+mn-cs"/>
         </a:defRPr>
       </a:lvl6pPr>
-      <a:lvl7pPr algn="l" defTabSz="457200" eaLnBrk="1" hangingPunct="1" indent="-228600" latinLnBrk="0" marL="2971800" rtl="0">
+      <a:lvl7pPr algn="l" defTabSz="457200" eaLnBrk="1" hangingPunct="1" indent="-457200" latinLnBrk="0" marL="3200400" rtl="0">
         <a:spcBef>
           <a:spcPct val="20000"/>
         </a:spcBef>
@@ -2974,7 +2974,7 @@
           <a:cs typeface="+mn-cs"/>
         </a:defRPr>
       </a:lvl7pPr>
-      <a:lvl8pPr algn="l" defTabSz="457200" eaLnBrk="1" hangingPunct="1" indent="-228600" latinLnBrk="0" marL="3429000" rtl="0">
+      <a:lvl8pPr algn="l" defTabSz="457200" eaLnBrk="1" hangingPunct="1" indent="-457200" latinLnBrk="0" marL="3657600" rtl="0">
         <a:spcBef>
           <a:spcPct val="20000"/>
         </a:spcBef>
@@ -2989,7 +2989,7 @@
           <a:cs typeface="+mn-cs"/>
         </a:defRPr>
       </a:lvl8pPr>
-      <a:lvl9pPr algn="l" defTabSz="457200" eaLnBrk="1" hangingPunct="1" indent="-228600" latinLnBrk="0" marL="3886200" rtl="0">
+      <a:lvl9pPr algn="l" defTabSz="457200" eaLnBrk="1" hangingPunct="1" indent="-457200" latinLnBrk="0" marL="4114800" rtl="0">
         <a:spcBef>
           <a:spcPct val="20000"/>
         </a:spcBef>
@@ -3136,7 +3136,7 @@
           <a:bodyPr/>
           <a:lstStyle/>
           <a:p>
-            <a:pPr lvl="0" marL="0" indent="0">
+            <a:pPr lvl="0" indent="0" marL="0">
               <a:buNone/>
             </a:pPr>
             <a:r>
@@ -3512,7 +3512,7 @@
           <a:bodyPr/>
           <a:lstStyle/>
           <a:p>
-            <a:pPr lvl="0" marL="0" indent="0">
+            <a:pPr lvl="0" indent="0" marL="0">
               <a:buNone/>
             </a:pPr>
             <a:r>
@@ -3537,7 +3537,7 @@
           <a:bodyPr/>
           <a:lstStyle/>
           <a:p>
-            <a:pPr lvl="0" marL="0" indent="0">
+            <a:pPr lvl="0" indent="0" marL="0">
               <a:buNone/>
             </a:pPr>
             <a:r>
@@ -3567,7 +3567,7 @@
             </a:r>
           </a:p>
           <a:p>
-            <a:pPr lvl="0" marL="0" indent="0">
+            <a:pPr lvl="0" indent="0" marL="0">
               <a:buNone/>
             </a:pPr>
             <a:r>
@@ -3597,7 +3597,7 @@
             </a:r>
           </a:p>
           <a:p>
-            <a:pPr lvl="0" marL="0" indent="0">
+            <a:pPr lvl="0" indent="0" marL="0">
               <a:buNone/>
             </a:pPr>
             <a:r>
@@ -3992,7 +3992,7 @@
           <a:bodyPr/>
           <a:lstStyle/>
           <a:p>
-            <a:pPr lvl="0" marL="0" indent="0">
+            <a:pPr lvl="0" indent="0" marL="0">
               <a:buNone/>
             </a:pPr>
             <a:r>
@@ -4277,7 +4277,7 @@
           <a:bodyPr/>
           <a:lstStyle/>
           <a:p>
-            <a:pPr lvl="0" marL="0" indent="0">
+            <a:pPr lvl="0" indent="0" marL="0">
               <a:buNone/>
             </a:pPr>
             <a:r>
@@ -4361,7 +4361,7 @@
           <a:bodyPr/>
           <a:lstStyle/>
           <a:p>
-            <a:pPr lvl="0" marL="0" indent="0">
+            <a:pPr lvl="0" indent="0" marL="0">
               <a:buNone/>
             </a:pPr>
             <a:r>
@@ -4386,7 +4386,7 @@
           <a:bodyPr/>
           <a:lstStyle/>
           <a:p>
-            <a:pPr lvl="0" marL="0" indent="0">
+            <a:pPr lvl="0" indent="0" marL="0">
               <a:buNone/>
             </a:pPr>
             <a:r>
@@ -4634,7 +4634,7 @@
           <a:bodyPr/>
           <a:lstStyle/>
           <a:p>
-            <a:pPr lvl="0" marL="0" indent="0">
+            <a:pPr lvl="0" indent="0" marL="0">
               <a:buNone/>
             </a:pPr>
             <a:r>
@@ -4659,7 +4659,7 @@
           <a:bodyPr/>
           <a:lstStyle/>
           <a:p>
-            <a:pPr lvl="0">
+            <a:pPr lvl="0" indent="-457200" marL="457200">
               <a:buAutoNum type="arabicPeriod"/>
             </a:pPr>
             <a:r>
@@ -4668,7 +4668,7 @@
             </a:r>
           </a:p>
           <a:p>
-            <a:pPr lvl="0">
+            <a:pPr lvl="0" indent="-457200" marL="457200">
               <a:buAutoNum type="arabicPeriod"/>
             </a:pPr>
             <a:r>
@@ -4677,7 +4677,7 @@
             </a:r>
           </a:p>
           <a:p>
-            <a:pPr lvl="0">
+            <a:pPr lvl="0" indent="-457200" marL="457200">
               <a:buAutoNum type="arabicPeriod"/>
             </a:pPr>
             <a:r>
@@ -4686,7 +4686,7 @@
             </a:r>
           </a:p>
           <a:p>
-            <a:pPr lvl="0" marL="0" indent="0">
+            <a:pPr lvl="0" indent="0" marL="0">
               <a:buNone/>
             </a:pPr>
             <a:r>
@@ -4913,7 +4913,7 @@
           <a:bodyPr/>
           <a:lstStyle/>
           <a:p>
-            <a:pPr lvl="0" marL="0" indent="0">
+            <a:pPr lvl="0" indent="0" marL="0">
               <a:buNone/>
             </a:pPr>
             <a:r>
@@ -4938,7 +4938,7 @@
           <a:bodyPr/>
           <a:lstStyle/>
           <a:p>
-            <a:pPr lvl="0" marL="0" indent="0">
+            <a:pPr lvl="0" indent="0" marL="0">
               <a:buNone/>
             </a:pPr>
             <a:r>
@@ -4968,7 +4968,7 @@
             </a:r>
           </a:p>
           <a:p>
-            <a:pPr lvl="0" marL="0" indent="0">
+            <a:pPr lvl="0" indent="0" marL="0">
               <a:buNone/>
             </a:pPr>
             <a:r>
@@ -4993,7 +4993,7 @@
           <a:bodyPr/>
           <a:lstStyle/>
           <a:p>
-            <a:pPr lvl="0" marL="0" indent="0">
+            <a:pPr lvl="0" indent="0" marL="0">
               <a:buNone/>
             </a:pPr>
             <a:r>
@@ -5410,7 +5410,7 @@
           <a:bodyPr/>
           <a:lstStyle/>
           <a:p>
-            <a:pPr lvl="0" marL="0" indent="0">
+            <a:pPr lvl="0" indent="0" marL="0">
               <a:buNone/>
             </a:pPr>
             <a:r>
@@ -5470,7 +5470,7 @@
           <a:bodyPr/>
           <a:lstStyle/>
           <a:p>
-            <a:pPr lvl="0" marL="0" indent="0" algn="ctr">
+            <a:pPr lvl="0" indent="0" marL="0" algn="ctr">
               <a:buNone/>
             </a:pPr>
             <a:r>
@@ -5739,7 +5739,7 @@
           <a:bodyPr/>
           <a:lstStyle/>
           <a:p>
-            <a:pPr lvl="0" marL="0" indent="0">
+            <a:pPr lvl="0" indent="0" marL="0">
               <a:buNone/>
             </a:pPr>
             <a:r>
@@ -5764,7 +5764,7 @@
           <a:bodyPr/>
           <a:lstStyle/>
           <a:p>
-            <a:pPr lvl="0" marL="0" indent="0">
+            <a:pPr lvl="0" indent="0" marL="0">
               <a:buNone/>
             </a:pPr>
             <a:r>
@@ -5794,7 +5794,7 @@
             </a:r>
           </a:p>
           <a:p>
-            <a:pPr lvl="0" marL="0" indent="0">
+            <a:pPr lvl="0" indent="0" marL="0">
               <a:buNone/>
             </a:pPr>
             <a:r>
@@ -5854,7 +5854,7 @@
           <a:bodyPr/>
           <a:lstStyle/>
           <a:p>
-            <a:pPr lvl="0" marL="0" indent="0" algn="ctr">
+            <a:pPr lvl="0" indent="0" marL="0" algn="ctr">
               <a:buNone/>
             </a:pPr>
             <a:r>
@@ -6081,7 +6081,7 @@
           <a:bodyPr/>
           <a:lstStyle/>
           <a:p>
-            <a:pPr lvl="0" marL="0" indent="0">
+            <a:pPr lvl="0" indent="0" marL="0">
               <a:buNone/>
             </a:pPr>
             <a:r>
@@ -6178,7 +6178,7 @@
           <a:bodyPr/>
           <a:lstStyle/>
           <a:p>
-            <a:pPr lvl="0" marL="0" indent="0" algn="ctr">
+            <a:pPr lvl="0" indent="0" marL="0" algn="ctr">
               <a:buNone/>
             </a:pPr>
             <a:r>
@@ -6203,7 +6203,7 @@
           <a:bodyPr/>
           <a:lstStyle/>
           <a:p>
-            <a:pPr lvl="0">
+            <a:pPr lvl="0" indent="-457200" marL="457200">
               <a:buAutoNum type="arabicPeriod"/>
             </a:pPr>
             <a:r>
@@ -6212,7 +6212,7 @@
             </a:r>
           </a:p>
           <a:p>
-            <a:pPr lvl="0">
+            <a:pPr lvl="0" indent="-457200" marL="457200">
               <a:buAutoNum type="arabicPeriod"/>
             </a:pPr>
             <a:r>
@@ -6221,7 +6221,7 @@
             </a:r>
           </a:p>
           <a:p>
-            <a:pPr lvl="0">
+            <a:pPr lvl="0" indent="-457200" marL="457200">
               <a:buAutoNum type="arabicPeriod"/>
             </a:pPr>
             <a:r>
@@ -6260,7 +6260,7 @@
                     <a:bodyPr/>
                     <a:lstStyle/>
                     <a:p>
-                      <a:pPr lvl="0" marL="0" indent="0">
+                      <a:pPr lvl="0" indent="0" marL="0">
                         <a:buNone/>
                       </a:pPr>
                       <a:r>
@@ -6278,7 +6278,7 @@
                     <a:bodyPr/>
                     <a:lstStyle/>
                     <a:p>
-                      <a:pPr lvl="0" marL="0" indent="0">
+                      <a:pPr lvl="0" indent="0" marL="0">
                         <a:buNone/>
                       </a:pPr>
                       <a:r>
@@ -6658,7 +6658,7 @@
           <a:bodyPr/>
           <a:lstStyle/>
           <a:p>
-            <a:pPr lvl="0" marL="0" indent="0">
+            <a:pPr lvl="0" indent="0" marL="0">
               <a:buNone/>
             </a:pPr>
             <a:r>

--- a/test/pptx/incremental-lists/without-flag/output.pptx
+++ b/test/pptx/incremental-lists/without-flag/output.pptx
@@ -3141,23 +3141,7 @@
             </a:pPr>
             <a:r>
               <a:rPr/>
-              <a:t>Slide</a:t>
-            </a:r>
-            <a:r>
-              <a:rPr/>
-              <a:t> </a:t>
-            </a:r>
-            <a:r>
-              <a:rPr/>
-              <a:t>1</a:t>
-            </a:r>
-            <a:r>
-              <a:rPr/>
-              <a:t> </a:t>
-            </a:r>
-            <a:r>
-              <a:rPr/>
-              <a:t>(Content)</a:t>
+              <a:t>Slide 1 (Content)</a:t>
             </a:r>
           </a:p>
         </p:txBody>
@@ -3533,23 +3517,7 @@
             </a:pPr>
             <a:r>
               <a:rPr/>
-              <a:t>Slide</a:t>
-            </a:r>
-            <a:r>
-              <a:rPr/>
-              <a:t> </a:t>
-            </a:r>
-            <a:r>
-              <a:rPr/>
-              <a:t>11</a:t>
-            </a:r>
-            <a:r>
-              <a:rPr/>
-              <a:t> </a:t>
-            </a:r>
-            <a:r>
-              <a:rPr/>
-              <a:t>(Content)</a:t>
+              <a:t>Slide 11 (Content)</a:t>
             </a:r>
           </a:p>
         </p:txBody>
@@ -4029,23 +3997,7 @@
             </a:pPr>
             <a:r>
               <a:rPr/>
-              <a:t>Slide</a:t>
-            </a:r>
-            <a:r>
-              <a:rPr/>
-              <a:t> </a:t>
-            </a:r>
-            <a:r>
-              <a:rPr/>
-              <a:t>12</a:t>
-            </a:r>
-            <a:r>
-              <a:rPr/>
-              <a:t> </a:t>
-            </a:r>
-            <a:r>
-              <a:rPr/>
-              <a:t>(Content)</a:t>
+              <a:t>Slide 12 (Content)</a:t>
             </a:r>
           </a:p>
         </p:txBody>
@@ -4330,23 +4282,7 @@
             </a:pPr>
             <a:r>
               <a:rPr/>
-              <a:t>Slide</a:t>
-            </a:r>
-            <a:r>
-              <a:rPr/>
-              <a:t> </a:t>
-            </a:r>
-            <a:r>
-              <a:rPr/>
-              <a:t>2</a:t>
-            </a:r>
-            <a:r>
-              <a:rPr/>
-              <a:t> </a:t>
-            </a:r>
-            <a:r>
-              <a:rPr/>
-              <a:t>(Content)</a:t>
+              <a:t>Slide 2 (Content)</a:t>
             </a:r>
           </a:p>
         </p:txBody>
@@ -4430,23 +4366,7 @@
             </a:pPr>
             <a:r>
               <a:rPr/>
-              <a:t>Slide</a:t>
-            </a:r>
-            <a:r>
-              <a:rPr/>
-              <a:t> </a:t>
-            </a:r>
-            <a:r>
-              <a:rPr/>
-              <a:t>3</a:t>
-            </a:r>
-            <a:r>
-              <a:rPr/>
-              <a:t> </a:t>
-            </a:r>
-            <a:r>
-              <a:rPr/>
-              <a:t>(Content)</a:t>
+              <a:t>Slide 3 (Content)</a:t>
             </a:r>
           </a:p>
         </p:txBody>
@@ -4719,23 +4639,7 @@
             </a:pPr>
             <a:r>
               <a:rPr/>
-              <a:t>Slide</a:t>
-            </a:r>
-            <a:r>
-              <a:rPr/>
-              <a:t> </a:t>
-            </a:r>
-            <a:r>
-              <a:rPr/>
-              <a:t>4</a:t>
-            </a:r>
-            <a:r>
-              <a:rPr/>
-              <a:t> </a:t>
-            </a:r>
-            <a:r>
-              <a:rPr/>
-              <a:t>(Content)</a:t>
+              <a:t>Slide 4 (Content)</a:t>
             </a:r>
           </a:p>
         </p:txBody>
@@ -5014,31 +4918,7 @@
             </a:pPr>
             <a:r>
               <a:rPr/>
-              <a:t>Slide</a:t>
-            </a:r>
-            <a:r>
-              <a:rPr/>
-              <a:t> </a:t>
-            </a:r>
-            <a:r>
-              <a:rPr/>
-              <a:t>5</a:t>
-            </a:r>
-            <a:r>
-              <a:rPr/>
-              <a:t> </a:t>
-            </a:r>
-            <a:r>
-              <a:rPr/>
-              <a:t>(Two</a:t>
-            </a:r>
-            <a:r>
-              <a:rPr/>
-              <a:t> </a:t>
-            </a:r>
-            <a:r>
-              <a:rPr/>
-              <a:t>Content)</a:t>
+              <a:t>Slide 5 (Two Content)</a:t>
             </a:r>
           </a:p>
         </p:txBody>
@@ -5535,39 +5415,7 @@
             </a:pPr>
             <a:r>
               <a:rPr/>
-              <a:t>Slide</a:t>
-            </a:r>
-            <a:r>
-              <a:rPr/>
-              <a:t> </a:t>
-            </a:r>
-            <a:r>
-              <a:rPr/>
-              <a:t>6</a:t>
-            </a:r>
-            <a:r>
-              <a:rPr/>
-              <a:t> </a:t>
-            </a:r>
-            <a:r>
-              <a:rPr/>
-              <a:t>(Two</a:t>
-            </a:r>
-            <a:r>
-              <a:rPr/>
-              <a:t> </a:t>
-            </a:r>
-            <a:r>
-              <a:rPr/>
-              <a:t>Content</a:t>
-            </a:r>
-            <a:r>
-              <a:rPr/>
-              <a:t> </a:t>
-            </a:r>
-            <a:r>
-              <a:rPr/>
-              <a:t>Right)</a:t>
+              <a:t>Slide 6 (Two Content Right)</a:t>
             </a:r>
           </a:p>
         </p:txBody>
@@ -5627,15 +5475,7 @@
             </a:pPr>
             <a:r>
               <a:rPr/>
-              <a:t>an</a:t>
-            </a:r>
-            <a:r>
-              <a:rPr/>
-              <a:t> </a:t>
-            </a:r>
-            <a:r>
-              <a:rPr/>
-              <a:t>image</a:t>
+              <a:t>an image</a:t>
             </a:r>
           </a:p>
         </p:txBody>
@@ -5904,39 +5744,7 @@
             </a:pPr>
             <a:r>
               <a:rPr/>
-              <a:t>Slide</a:t>
-            </a:r>
-            <a:r>
-              <a:rPr/>
-              <a:t> </a:t>
-            </a:r>
-            <a:r>
-              <a:rPr/>
-              <a:t>7</a:t>
-            </a:r>
-            <a:r>
-              <a:rPr/>
-              <a:t> </a:t>
-            </a:r>
-            <a:r>
-              <a:rPr/>
-              <a:t>(Content</a:t>
-            </a:r>
-            <a:r>
-              <a:rPr/>
-              <a:t> </a:t>
-            </a:r>
-            <a:r>
-              <a:rPr/>
-              <a:t>with</a:t>
-            </a:r>
-            <a:r>
-              <a:rPr/>
-              <a:t> </a:t>
-            </a:r>
-            <a:r>
-              <a:rPr/>
-              <a:t>Caption)</a:t>
+              <a:t>Slide 7 (Content with Caption)</a:t>
             </a:r>
           </a:p>
         </p:txBody>
@@ -6051,15 +5859,7 @@
             </a:pPr>
             <a:r>
               <a:rPr/>
-              <a:t>An</a:t>
-            </a:r>
-            <a:r>
-              <a:rPr/>
-              <a:t> </a:t>
-            </a:r>
-            <a:r>
-              <a:rPr/>
-              <a:t>image</a:t>
+              <a:t>An image</a:t>
             </a:r>
           </a:p>
         </p:txBody>
@@ -6286,23 +6086,7 @@
             </a:pPr>
             <a:r>
               <a:rPr/>
-              <a:t>Slide</a:t>
-            </a:r>
-            <a:r>
-              <a:rPr/>
-              <a:t> </a:t>
-            </a:r>
-            <a:r>
-              <a:rPr/>
-              <a:t>8</a:t>
-            </a:r>
-            <a:r>
-              <a:rPr/>
-              <a:t> </a:t>
-            </a:r>
-            <a:r>
-              <a:rPr/>
-              <a:t>(Comparison)</a:t>
+              <a:t>Slide 8 (Comparison)</a:t>
             </a:r>
           </a:p>
         </p:txBody>
@@ -6399,15 +6183,7 @@
             </a:pPr>
             <a:r>
               <a:rPr/>
-              <a:t>An</a:t>
-            </a:r>
-            <a:r>
-              <a:rPr/>
-              <a:t> </a:t>
-            </a:r>
-            <a:r>
-              <a:rPr/>
-              <a:t>image</a:t>
+              <a:t>An image</a:t>
             </a:r>
           </a:p>
         </p:txBody>
@@ -6887,23 +6663,7 @@
             </a:pPr>
             <a:r>
               <a:rPr/>
-              <a:t>Slide</a:t>
-            </a:r>
-            <a:r>
-              <a:rPr/>
-              <a:t> </a:t>
-            </a:r>
-            <a:r>
-              <a:rPr/>
-              <a:t>10</a:t>
-            </a:r>
-            <a:r>
-              <a:rPr/>
-              <a:t> </a:t>
-            </a:r>
-            <a:r>
-              <a:rPr/>
-              <a:t>(Content)</a:t>
+              <a:t>Slide 10 (Content)</a:t>
             </a:r>
           </a:p>
         </p:txBody>

--- a/test/pptx/incremental-lists/without-flag/output.pptx
+++ b/test/pptx/incremental-lists/without-flag/output.pptx
@@ -3141,19 +3141,11 @@
             </a:pPr>
             <a:r>
               <a:rPr/>
-              <a:t>Slide</a:t>
-            </a:r>
-            <a:r>
-              <a:rPr/>
-              <a:t> </a:t>
-            </a:r>
-            <a:r>
-              <a:rPr/>
-              <a:t>1</a:t>
-            </a:r>
-            <a:r>
-              <a:rPr/>
-              <a:t> </a:t>
+              <a:t>Slide </a:t>
+            </a:r>
+            <a:r>
+              <a:rPr/>
+              <a:t>1 </a:t>
             </a:r>
             <a:r>
               <a:rPr/>
@@ -3533,19 +3525,11 @@
             </a:pPr>
             <a:r>
               <a:rPr/>
-              <a:t>Slide</a:t>
-            </a:r>
-            <a:r>
-              <a:rPr/>
-              <a:t> </a:t>
-            </a:r>
-            <a:r>
-              <a:rPr/>
-              <a:t>11</a:t>
-            </a:r>
-            <a:r>
-              <a:rPr/>
-              <a:t> </a:t>
+              <a:t>Slide </a:t>
+            </a:r>
+            <a:r>
+              <a:rPr/>
+              <a:t>11 </a:t>
             </a:r>
             <a:r>
               <a:rPr/>
@@ -4029,19 +4013,11 @@
             </a:pPr>
             <a:r>
               <a:rPr/>
-              <a:t>Slide</a:t>
-            </a:r>
-            <a:r>
-              <a:rPr/>
-              <a:t> </a:t>
-            </a:r>
-            <a:r>
-              <a:rPr/>
-              <a:t>12</a:t>
-            </a:r>
-            <a:r>
-              <a:rPr/>
-              <a:t> </a:t>
+              <a:t>Slide </a:t>
+            </a:r>
+            <a:r>
+              <a:rPr/>
+              <a:t>12 </a:t>
             </a:r>
             <a:r>
               <a:rPr/>
@@ -4330,19 +4306,11 @@
             </a:pPr>
             <a:r>
               <a:rPr/>
-              <a:t>Slide</a:t>
-            </a:r>
-            <a:r>
-              <a:rPr/>
-              <a:t> </a:t>
-            </a:r>
-            <a:r>
-              <a:rPr/>
-              <a:t>2</a:t>
-            </a:r>
-            <a:r>
-              <a:rPr/>
-              <a:t> </a:t>
+              <a:t>Slide </a:t>
+            </a:r>
+            <a:r>
+              <a:rPr/>
+              <a:t>2 </a:t>
             </a:r>
             <a:r>
               <a:rPr/>
@@ -4430,19 +4398,11 @@
             </a:pPr>
             <a:r>
               <a:rPr/>
-              <a:t>Slide</a:t>
-            </a:r>
-            <a:r>
-              <a:rPr/>
-              <a:t> </a:t>
-            </a:r>
-            <a:r>
-              <a:rPr/>
-              <a:t>3</a:t>
-            </a:r>
-            <a:r>
-              <a:rPr/>
-              <a:t> </a:t>
+              <a:t>Slide </a:t>
+            </a:r>
+            <a:r>
+              <a:rPr/>
+              <a:t>3 </a:t>
             </a:r>
             <a:r>
               <a:rPr/>
@@ -4719,19 +4679,11 @@
             </a:pPr>
             <a:r>
               <a:rPr/>
-              <a:t>Slide</a:t>
-            </a:r>
-            <a:r>
-              <a:rPr/>
-              <a:t> </a:t>
-            </a:r>
-            <a:r>
-              <a:rPr/>
-              <a:t>4</a:t>
-            </a:r>
-            <a:r>
-              <a:rPr/>
-              <a:t> </a:t>
+              <a:t>Slide </a:t>
+            </a:r>
+            <a:r>
+              <a:rPr/>
+              <a:t>4 </a:t>
             </a:r>
             <a:r>
               <a:rPr/>
@@ -5014,27 +4966,15 @@
             </a:pPr>
             <a:r>
               <a:rPr/>
-              <a:t>Slide</a:t>
-            </a:r>
-            <a:r>
-              <a:rPr/>
-              <a:t> </a:t>
-            </a:r>
-            <a:r>
-              <a:rPr/>
-              <a:t>5</a:t>
-            </a:r>
-            <a:r>
-              <a:rPr/>
-              <a:t> </a:t>
-            </a:r>
-            <a:r>
-              <a:rPr/>
-              <a:t>(Two</a:t>
-            </a:r>
-            <a:r>
-              <a:rPr/>
-              <a:t> </a:t>
+              <a:t>Slide </a:t>
+            </a:r>
+            <a:r>
+              <a:rPr/>
+              <a:t>5 </a:t>
+            </a:r>
+            <a:r>
+              <a:rPr/>
+              <a:t>(Two </a:t>
             </a:r>
             <a:r>
               <a:rPr/>
@@ -5535,35 +5475,19 @@
             </a:pPr>
             <a:r>
               <a:rPr/>
-              <a:t>Slide</a:t>
-            </a:r>
-            <a:r>
-              <a:rPr/>
-              <a:t> </a:t>
-            </a:r>
-            <a:r>
-              <a:rPr/>
-              <a:t>6</a:t>
-            </a:r>
-            <a:r>
-              <a:rPr/>
-              <a:t> </a:t>
-            </a:r>
-            <a:r>
-              <a:rPr/>
-              <a:t>(Two</a:t>
-            </a:r>
-            <a:r>
-              <a:rPr/>
-              <a:t> </a:t>
-            </a:r>
-            <a:r>
-              <a:rPr/>
-              <a:t>Content</a:t>
-            </a:r>
-            <a:r>
-              <a:rPr/>
-              <a:t> </a:t>
+              <a:t>Slide </a:t>
+            </a:r>
+            <a:r>
+              <a:rPr/>
+              <a:t>6 </a:t>
+            </a:r>
+            <a:r>
+              <a:rPr/>
+              <a:t>(Two </a:t>
+            </a:r>
+            <a:r>
+              <a:rPr/>
+              <a:t>Content </a:t>
             </a:r>
             <a:r>
               <a:rPr/>
@@ -5627,11 +5551,7 @@
             </a:pPr>
             <a:r>
               <a:rPr/>
-              <a:t>an</a:t>
-            </a:r>
-            <a:r>
-              <a:rPr/>
-              <a:t> </a:t>
+              <a:t>an </a:t>
             </a:r>
             <a:r>
               <a:rPr/>
@@ -5904,35 +5824,19 @@
             </a:pPr>
             <a:r>
               <a:rPr/>
-              <a:t>Slide</a:t>
-            </a:r>
-            <a:r>
-              <a:rPr/>
-              <a:t> </a:t>
-            </a:r>
-            <a:r>
-              <a:rPr/>
-              <a:t>7</a:t>
-            </a:r>
-            <a:r>
-              <a:rPr/>
-              <a:t> </a:t>
-            </a:r>
-            <a:r>
-              <a:rPr/>
-              <a:t>(Content</a:t>
-            </a:r>
-            <a:r>
-              <a:rPr/>
-              <a:t> </a:t>
-            </a:r>
-            <a:r>
-              <a:rPr/>
-              <a:t>with</a:t>
-            </a:r>
-            <a:r>
-              <a:rPr/>
-              <a:t> </a:t>
+              <a:t>Slide </a:t>
+            </a:r>
+            <a:r>
+              <a:rPr/>
+              <a:t>7 </a:t>
+            </a:r>
+            <a:r>
+              <a:rPr/>
+              <a:t>(Content </a:t>
+            </a:r>
+            <a:r>
+              <a:rPr/>
+              <a:t>with </a:t>
             </a:r>
             <a:r>
               <a:rPr/>
@@ -6051,11 +5955,7 @@
             </a:pPr>
             <a:r>
               <a:rPr/>
-              <a:t>An</a:t>
-            </a:r>
-            <a:r>
-              <a:rPr/>
-              <a:t> </a:t>
+              <a:t>An </a:t>
             </a:r>
             <a:r>
               <a:rPr/>
@@ -6286,19 +6186,11 @@
             </a:pPr>
             <a:r>
               <a:rPr/>
-              <a:t>Slide</a:t>
-            </a:r>
-            <a:r>
-              <a:rPr/>
-              <a:t> </a:t>
-            </a:r>
-            <a:r>
-              <a:rPr/>
-              <a:t>8</a:t>
-            </a:r>
-            <a:r>
-              <a:rPr/>
-              <a:t> </a:t>
+              <a:t>Slide </a:t>
+            </a:r>
+            <a:r>
+              <a:rPr/>
+              <a:t>8 </a:t>
             </a:r>
             <a:r>
               <a:rPr/>
@@ -6399,11 +6291,7 @@
             </a:pPr>
             <a:r>
               <a:rPr/>
-              <a:t>An</a:t>
-            </a:r>
-            <a:r>
-              <a:rPr/>
-              <a:t> </a:t>
+              <a:t>An </a:t>
             </a:r>
             <a:r>
               <a:rPr/>
@@ -6887,19 +6775,11 @@
             </a:pPr>
             <a:r>
               <a:rPr/>
-              <a:t>Slide</a:t>
-            </a:r>
-            <a:r>
-              <a:rPr/>
-              <a:t> </a:t>
-            </a:r>
-            <a:r>
-              <a:rPr/>
-              <a:t>10</a:t>
-            </a:r>
-            <a:r>
-              <a:rPr/>
-              <a:t> </a:t>
+              <a:t>Slide </a:t>
+            </a:r>
+            <a:r>
+              <a:rPr/>
+              <a:t>10 </a:t>
             </a:r>
             <a:r>
               <a:rPr/>

--- a/test/pptx/incremental-lists/without-flag/output.pptx
+++ b/test/pptx/incremental-lists/without-flag/output.pptx
@@ -3141,11 +3141,19 @@
             </a:pPr>
             <a:r>
               <a:rPr/>
-              <a:t>Slide </a:t>
-            </a:r>
-            <a:r>
-              <a:rPr/>
-              <a:t>1 </a:t>
+              <a:t>Slide</a:t>
+            </a:r>
+            <a:r>
+              <a:rPr/>
+              <a:t> </a:t>
+            </a:r>
+            <a:r>
+              <a:rPr/>
+              <a:t>1</a:t>
+            </a:r>
+            <a:r>
+              <a:rPr/>
+              <a:t> </a:t>
             </a:r>
             <a:r>
               <a:rPr/>
@@ -3525,11 +3533,19 @@
             </a:pPr>
             <a:r>
               <a:rPr/>
-              <a:t>Slide </a:t>
-            </a:r>
-            <a:r>
-              <a:rPr/>
-              <a:t>11 </a:t>
+              <a:t>Slide</a:t>
+            </a:r>
+            <a:r>
+              <a:rPr/>
+              <a:t> </a:t>
+            </a:r>
+            <a:r>
+              <a:rPr/>
+              <a:t>11</a:t>
+            </a:r>
+            <a:r>
+              <a:rPr/>
+              <a:t> </a:t>
             </a:r>
             <a:r>
               <a:rPr/>
@@ -4013,11 +4029,19 @@
             </a:pPr>
             <a:r>
               <a:rPr/>
-              <a:t>Slide </a:t>
-            </a:r>
-            <a:r>
-              <a:rPr/>
-              <a:t>12 </a:t>
+              <a:t>Slide</a:t>
+            </a:r>
+            <a:r>
+              <a:rPr/>
+              <a:t> </a:t>
+            </a:r>
+            <a:r>
+              <a:rPr/>
+              <a:t>12</a:t>
+            </a:r>
+            <a:r>
+              <a:rPr/>
+              <a:t> </a:t>
             </a:r>
             <a:r>
               <a:rPr/>
@@ -4306,11 +4330,19 @@
             </a:pPr>
             <a:r>
               <a:rPr/>
-              <a:t>Slide </a:t>
-            </a:r>
-            <a:r>
-              <a:rPr/>
-              <a:t>2 </a:t>
+              <a:t>Slide</a:t>
+            </a:r>
+            <a:r>
+              <a:rPr/>
+              <a:t> </a:t>
+            </a:r>
+            <a:r>
+              <a:rPr/>
+              <a:t>2</a:t>
+            </a:r>
+            <a:r>
+              <a:rPr/>
+              <a:t> </a:t>
             </a:r>
             <a:r>
               <a:rPr/>
@@ -4398,11 +4430,19 @@
             </a:pPr>
             <a:r>
               <a:rPr/>
-              <a:t>Slide </a:t>
-            </a:r>
-            <a:r>
-              <a:rPr/>
-              <a:t>3 </a:t>
+              <a:t>Slide</a:t>
+            </a:r>
+            <a:r>
+              <a:rPr/>
+              <a:t> </a:t>
+            </a:r>
+            <a:r>
+              <a:rPr/>
+              <a:t>3</a:t>
+            </a:r>
+            <a:r>
+              <a:rPr/>
+              <a:t> </a:t>
             </a:r>
             <a:r>
               <a:rPr/>
@@ -4679,11 +4719,19 @@
             </a:pPr>
             <a:r>
               <a:rPr/>
-              <a:t>Slide </a:t>
-            </a:r>
-            <a:r>
-              <a:rPr/>
-              <a:t>4 </a:t>
+              <a:t>Slide</a:t>
+            </a:r>
+            <a:r>
+              <a:rPr/>
+              <a:t> </a:t>
+            </a:r>
+            <a:r>
+              <a:rPr/>
+              <a:t>4</a:t>
+            </a:r>
+            <a:r>
+              <a:rPr/>
+              <a:t> </a:t>
             </a:r>
             <a:r>
               <a:rPr/>
@@ -4966,15 +5014,27 @@
             </a:pPr>
             <a:r>
               <a:rPr/>
-              <a:t>Slide </a:t>
-            </a:r>
-            <a:r>
-              <a:rPr/>
-              <a:t>5 </a:t>
-            </a:r>
-            <a:r>
-              <a:rPr/>
-              <a:t>(Two </a:t>
+              <a:t>Slide</a:t>
+            </a:r>
+            <a:r>
+              <a:rPr/>
+              <a:t> </a:t>
+            </a:r>
+            <a:r>
+              <a:rPr/>
+              <a:t>5</a:t>
+            </a:r>
+            <a:r>
+              <a:rPr/>
+              <a:t> </a:t>
+            </a:r>
+            <a:r>
+              <a:rPr/>
+              <a:t>(Two</a:t>
+            </a:r>
+            <a:r>
+              <a:rPr/>
+              <a:t> </a:t>
             </a:r>
             <a:r>
               <a:rPr/>
@@ -5475,19 +5535,35 @@
             </a:pPr>
             <a:r>
               <a:rPr/>
-              <a:t>Slide </a:t>
-            </a:r>
-            <a:r>
-              <a:rPr/>
-              <a:t>6 </a:t>
-            </a:r>
-            <a:r>
-              <a:rPr/>
-              <a:t>(Two </a:t>
-            </a:r>
-            <a:r>
-              <a:rPr/>
-              <a:t>Content </a:t>
+              <a:t>Slide</a:t>
+            </a:r>
+            <a:r>
+              <a:rPr/>
+              <a:t> </a:t>
+            </a:r>
+            <a:r>
+              <a:rPr/>
+              <a:t>6</a:t>
+            </a:r>
+            <a:r>
+              <a:rPr/>
+              <a:t> </a:t>
+            </a:r>
+            <a:r>
+              <a:rPr/>
+              <a:t>(Two</a:t>
+            </a:r>
+            <a:r>
+              <a:rPr/>
+              <a:t> </a:t>
+            </a:r>
+            <a:r>
+              <a:rPr/>
+              <a:t>Content</a:t>
+            </a:r>
+            <a:r>
+              <a:rPr/>
+              <a:t> </a:t>
             </a:r>
             <a:r>
               <a:rPr/>
@@ -5551,7 +5627,11 @@
             </a:pPr>
             <a:r>
               <a:rPr/>
-              <a:t>an </a:t>
+              <a:t>an</a:t>
+            </a:r>
+            <a:r>
+              <a:rPr/>
+              <a:t> </a:t>
             </a:r>
             <a:r>
               <a:rPr/>
@@ -5824,19 +5904,35 @@
             </a:pPr>
             <a:r>
               <a:rPr/>
-              <a:t>Slide </a:t>
-            </a:r>
-            <a:r>
-              <a:rPr/>
-              <a:t>7 </a:t>
-            </a:r>
-            <a:r>
-              <a:rPr/>
-              <a:t>(Content </a:t>
-            </a:r>
-            <a:r>
-              <a:rPr/>
-              <a:t>with </a:t>
+              <a:t>Slide</a:t>
+            </a:r>
+            <a:r>
+              <a:rPr/>
+              <a:t> </a:t>
+            </a:r>
+            <a:r>
+              <a:rPr/>
+              <a:t>7</a:t>
+            </a:r>
+            <a:r>
+              <a:rPr/>
+              <a:t> </a:t>
+            </a:r>
+            <a:r>
+              <a:rPr/>
+              <a:t>(Content</a:t>
+            </a:r>
+            <a:r>
+              <a:rPr/>
+              <a:t> </a:t>
+            </a:r>
+            <a:r>
+              <a:rPr/>
+              <a:t>with</a:t>
+            </a:r>
+            <a:r>
+              <a:rPr/>
+              <a:t> </a:t>
             </a:r>
             <a:r>
               <a:rPr/>
@@ -5955,7 +6051,11 @@
             </a:pPr>
             <a:r>
               <a:rPr/>
-              <a:t>An </a:t>
+              <a:t>An</a:t>
+            </a:r>
+            <a:r>
+              <a:rPr/>
+              <a:t> </a:t>
             </a:r>
             <a:r>
               <a:rPr/>
@@ -6186,11 +6286,19 @@
             </a:pPr>
             <a:r>
               <a:rPr/>
-              <a:t>Slide </a:t>
-            </a:r>
-            <a:r>
-              <a:rPr/>
-              <a:t>8 </a:t>
+              <a:t>Slide</a:t>
+            </a:r>
+            <a:r>
+              <a:rPr/>
+              <a:t> </a:t>
+            </a:r>
+            <a:r>
+              <a:rPr/>
+              <a:t>8</a:t>
+            </a:r>
+            <a:r>
+              <a:rPr/>
+              <a:t> </a:t>
             </a:r>
             <a:r>
               <a:rPr/>
@@ -6291,7 +6399,11 @@
             </a:pPr>
             <a:r>
               <a:rPr/>
-              <a:t>An </a:t>
+              <a:t>An</a:t>
+            </a:r>
+            <a:r>
+              <a:rPr/>
+              <a:t> </a:t>
             </a:r>
             <a:r>
               <a:rPr/>
@@ -6775,11 +6887,19 @@
             </a:pPr>
             <a:r>
               <a:rPr/>
-              <a:t>Slide </a:t>
-            </a:r>
-            <a:r>
-              <a:rPr/>
-              <a:t>10 </a:t>
+              <a:t>Slide</a:t>
+            </a:r>
+            <a:r>
+              <a:rPr/>
+              <a:t> </a:t>
+            </a:r>
+            <a:r>
+              <a:rPr/>
+              <a:t>10</a:t>
+            </a:r>
+            <a:r>
+              <a:rPr/>
+              <a:t> </a:t>
             </a:r>
             <a:r>
               <a:rPr/>

--- a/test/pptx/incremental-lists/without-flag/output.pptx
+++ b/test/pptx/incremental-lists/without-flag/output.pptx
@@ -17,7 +17,7 @@
     <p:sldId id="265" r:id="rId11"/>
     <p:sldId id="266" r:id="rId12"/>
   </p:sldIdLst>
-  <p:sldSz cx="9144000" cy="6858000" type="screen4x3"/>
+  <p:sldSz cx="9144000" cy="5143500" type="screen16x9"/>
   <p:notesSz cx="6858000" cy="9144000"/>
   <p:defaultTextStyle>
     <a:defPPr>
@@ -117,12 +117,12 @@
   <p:extLst>
     <p:ext uri="{EFAFB233-063F-42B5-8137-9DF3F51BA10A}">
       <p15:sldGuideLst xmlns:p15="http://schemas.microsoft.com/office/powerpoint/2012/main">
-        <p15:guide id="1" orient="horz" pos="2160">
+        <p15:guide id="1" orient="horz" pos="1620" userDrawn="1">
           <p15:clr>
             <a:srgbClr val="A4A3A4"/>
           </p15:clr>
         </p15:guide>
-        <p15:guide id="2" pos="2880">
+        <p15:guide id="2" pos="2880" userDrawn="1">
           <p15:clr>
             <a:srgbClr val="A4A3A4"/>
           </p15:clr>
@@ -162,8 +162,8 @@
         </p:nvSpPr>
         <p:spPr>
           <a:xfrm>
-            <a:off x="685800" y="2130425"/>
-            <a:ext cx="7772400" cy="1470025"/>
+            <a:off x="685800" y="1597819"/>
+            <a:ext cx="7772400" cy="1102519"/>
           </a:xfrm>
         </p:spPr>
         <p:txBody>
@@ -171,10 +171,9 @@
           <a:lstStyle/>
           <a:p>
             <a:r>
-              <a:rPr lang="en-US" smtClean="0"/>
+              <a:rPr lang="en-US"/>
               <a:t>Click to edit Master title style</a:t>
             </a:r>
-            <a:endParaRPr lang="en-US"/>
           </a:p>
         </p:txBody>
       </p:sp>
@@ -190,8 +189,8 @@
         </p:nvSpPr>
         <p:spPr>
           <a:xfrm>
-            <a:off x="1371600" y="3886200"/>
-            <a:ext cx="6400800" cy="1752600"/>
+            <a:off x="1371600" y="2914650"/>
+            <a:ext cx="6400800" cy="1314450"/>
           </a:xfrm>
         </p:spPr>
         <p:txBody>
@@ -207,7 +206,7 @@
                 </a:solidFill>
               </a:defRPr>
             </a:lvl1pPr>
-            <a:lvl2pPr marL="457200" indent="0" algn="ctr">
+            <a:lvl2pPr marL="342900" indent="0" algn="ctr">
               <a:buNone/>
               <a:defRPr>
                 <a:solidFill>
@@ -217,7 +216,7 @@
                 </a:solidFill>
               </a:defRPr>
             </a:lvl2pPr>
-            <a:lvl3pPr marL="914400" indent="0" algn="ctr">
+            <a:lvl3pPr marL="685800" indent="0" algn="ctr">
               <a:buNone/>
               <a:defRPr>
                 <a:solidFill>
@@ -227,7 +226,7 @@
                 </a:solidFill>
               </a:defRPr>
             </a:lvl3pPr>
-            <a:lvl4pPr marL="1371600" indent="0" algn="ctr">
+            <a:lvl4pPr marL="1028700" indent="0" algn="ctr">
               <a:buNone/>
               <a:defRPr>
                 <a:solidFill>
@@ -237,7 +236,7 @@
                 </a:solidFill>
               </a:defRPr>
             </a:lvl4pPr>
-            <a:lvl5pPr marL="1828800" indent="0" algn="ctr">
+            <a:lvl5pPr marL="1371600" indent="0" algn="ctr">
               <a:buNone/>
               <a:defRPr>
                 <a:solidFill>
@@ -247,7 +246,7 @@
                 </a:solidFill>
               </a:defRPr>
             </a:lvl5pPr>
-            <a:lvl6pPr marL="2286000" indent="0" algn="ctr">
+            <a:lvl6pPr marL="1714500" indent="0" algn="ctr">
               <a:buNone/>
               <a:defRPr>
                 <a:solidFill>
@@ -257,7 +256,7 @@
                 </a:solidFill>
               </a:defRPr>
             </a:lvl6pPr>
-            <a:lvl7pPr marL="2743200" indent="0" algn="ctr">
+            <a:lvl7pPr marL="2057400" indent="0" algn="ctr">
               <a:buNone/>
               <a:defRPr>
                 <a:solidFill>
@@ -267,7 +266,7 @@
                 </a:solidFill>
               </a:defRPr>
             </a:lvl7pPr>
-            <a:lvl8pPr marL="3200400" indent="0" algn="ctr">
+            <a:lvl8pPr marL="2400300" indent="0" algn="ctr">
               <a:buNone/>
               <a:defRPr>
                 <a:solidFill>
@@ -277,7 +276,7 @@
                 </a:solidFill>
               </a:defRPr>
             </a:lvl8pPr>
-            <a:lvl9pPr marL="3657600" indent="0" algn="ctr">
+            <a:lvl9pPr marL="2743200" indent="0" algn="ctr">
               <a:buNone/>
               <a:defRPr>
                 <a:solidFill>
@@ -290,10 +289,9 @@
           </a:lstStyle>
           <a:p>
             <a:r>
-              <a:rPr lang="en-US" smtClean="0"/>
+              <a:rPr lang="en-US"/>
               <a:t>Click to edit Master subtitle style</a:t>
             </a:r>
-            <a:endParaRPr lang="en-US"/>
           </a:p>
         </p:txBody>
       </p:sp>
@@ -314,7 +312,7 @@
           <a:p>
             <a:fld id="{241EB5C9-1307-BA42-ABA2-0BC069CD8E7F}" type="datetimeFigureOut">
               <a:rPr lang="en-US" smtClean="0"/>
-              <a:t>4/5/2019</a:t>
+              <a:t>1/2/22</a:t>
             </a:fld>
             <a:endParaRPr lang="en-US"/>
           </a:p>
@@ -408,10 +406,9 @@
           <a:lstStyle/>
           <a:p>
             <a:r>
-              <a:rPr lang="en-US" smtClean="0"/>
+              <a:rPr lang="en-US"/>
               <a:t>Click to edit Master title style</a:t>
             </a:r>
-            <a:endParaRPr lang="en-US"/>
           </a:p>
         </p:txBody>
       </p:sp>
@@ -432,38 +429,37 @@
           <a:p>
             <a:pPr lvl="0"/>
             <a:r>
-              <a:rPr lang="en-US" smtClean="0"/>
+              <a:rPr lang="en-US"/>
               <a:t>Click to edit Master text styles</a:t>
             </a:r>
           </a:p>
           <a:p>
             <a:pPr lvl="1"/>
             <a:r>
-              <a:rPr lang="en-US" smtClean="0"/>
+              <a:rPr lang="en-US"/>
               <a:t>Second level</a:t>
             </a:r>
           </a:p>
           <a:p>
             <a:pPr lvl="2"/>
             <a:r>
-              <a:rPr lang="en-US" smtClean="0"/>
+              <a:rPr lang="en-US"/>
               <a:t>Third level</a:t>
             </a:r>
           </a:p>
           <a:p>
             <a:pPr lvl="3"/>
             <a:r>
-              <a:rPr lang="en-US" smtClean="0"/>
+              <a:rPr lang="en-US"/>
               <a:t>Fourth level</a:t>
             </a:r>
           </a:p>
           <a:p>
             <a:pPr lvl="4"/>
             <a:r>
-              <a:rPr lang="en-US" smtClean="0"/>
+              <a:rPr lang="en-US"/>
               <a:t>Fifth level</a:t>
             </a:r>
-            <a:endParaRPr lang="en-US"/>
           </a:p>
         </p:txBody>
       </p:sp>
@@ -484,7 +480,7 @@
           <a:p>
             <a:fld id="{241EB5C9-1307-BA42-ABA2-0BC069CD8E7F}" type="datetimeFigureOut">
               <a:rPr lang="en-US" smtClean="0"/>
-              <a:t>4/5/2019</a:t>
+              <a:t>1/2/22</a:t>
             </a:fld>
             <a:endParaRPr lang="en-US"/>
           </a:p>
@@ -574,8 +570,8 @@
         </p:nvSpPr>
         <p:spPr>
           <a:xfrm>
-            <a:off x="6629400" y="274638"/>
-            <a:ext cx="2057400" cy="5851525"/>
+            <a:off x="6629400" y="205979"/>
+            <a:ext cx="2057400" cy="4388644"/>
           </a:xfrm>
         </p:spPr>
         <p:txBody>
@@ -583,10 +579,9 @@
           <a:lstStyle/>
           <a:p>
             <a:r>
-              <a:rPr lang="en-US" smtClean="0"/>
+              <a:rPr lang="en-US"/>
               <a:t>Click to edit Master title style</a:t>
             </a:r>
-            <a:endParaRPr lang="en-US"/>
           </a:p>
         </p:txBody>
       </p:sp>
@@ -602,8 +597,8 @@
         </p:nvSpPr>
         <p:spPr>
           <a:xfrm>
-            <a:off x="457200" y="274638"/>
-            <a:ext cx="6019800" cy="5851525"/>
+            <a:off x="457200" y="205979"/>
+            <a:ext cx="6019800" cy="4388644"/>
           </a:xfrm>
         </p:spPr>
         <p:txBody>
@@ -612,38 +607,37 @@
           <a:p>
             <a:pPr lvl="0"/>
             <a:r>
-              <a:rPr lang="en-US" smtClean="0"/>
+              <a:rPr lang="en-US"/>
               <a:t>Click to edit Master text styles</a:t>
             </a:r>
           </a:p>
           <a:p>
             <a:pPr lvl="1"/>
             <a:r>
-              <a:rPr lang="en-US" smtClean="0"/>
+              <a:rPr lang="en-US"/>
               <a:t>Second level</a:t>
             </a:r>
           </a:p>
           <a:p>
             <a:pPr lvl="2"/>
             <a:r>
-              <a:rPr lang="en-US" smtClean="0"/>
+              <a:rPr lang="en-US"/>
               <a:t>Third level</a:t>
             </a:r>
           </a:p>
           <a:p>
             <a:pPr lvl="3"/>
             <a:r>
-              <a:rPr lang="en-US" smtClean="0"/>
+              <a:rPr lang="en-US"/>
               <a:t>Fourth level</a:t>
             </a:r>
           </a:p>
           <a:p>
             <a:pPr lvl="4"/>
             <a:r>
-              <a:rPr lang="en-US" smtClean="0"/>
+              <a:rPr lang="en-US"/>
               <a:t>Fifth level</a:t>
             </a:r>
-            <a:endParaRPr lang="en-US"/>
           </a:p>
         </p:txBody>
       </p:sp>
@@ -664,7 +658,7 @@
           <a:p>
             <a:fld id="{241EB5C9-1307-BA42-ABA2-0BC069CD8E7F}" type="datetimeFigureOut">
               <a:rPr lang="en-US" smtClean="0"/>
-              <a:t>4/5/2019</a:t>
+              <a:t>1/2/22</a:t>
             </a:fld>
             <a:endParaRPr lang="en-US"/>
           </a:p>
@@ -758,10 +752,9 @@
           <a:lstStyle/>
           <a:p>
             <a:r>
-              <a:rPr lang="en-US" smtClean="0"/>
+              <a:rPr lang="en-US"/>
               <a:t>Click to edit Master title style</a:t>
             </a:r>
-            <a:endParaRPr lang="en-US"/>
           </a:p>
         </p:txBody>
       </p:sp>
@@ -782,38 +775,37 @@
           <a:p>
             <a:pPr lvl="0"/>
             <a:r>
-              <a:rPr lang="en-US" smtClean="0"/>
+              <a:rPr lang="en-US"/>
               <a:t>Click to edit Master text styles</a:t>
             </a:r>
           </a:p>
           <a:p>
             <a:pPr lvl="1"/>
             <a:r>
-              <a:rPr lang="en-US" smtClean="0"/>
+              <a:rPr lang="en-US"/>
               <a:t>Second level</a:t>
             </a:r>
           </a:p>
           <a:p>
             <a:pPr lvl="2"/>
             <a:r>
-              <a:rPr lang="en-US" smtClean="0"/>
+              <a:rPr lang="en-US"/>
               <a:t>Third level</a:t>
             </a:r>
           </a:p>
           <a:p>
             <a:pPr lvl="3"/>
             <a:r>
-              <a:rPr lang="en-US" smtClean="0"/>
+              <a:rPr lang="en-US"/>
               <a:t>Fourth level</a:t>
             </a:r>
           </a:p>
           <a:p>
             <a:pPr lvl="4"/>
             <a:r>
-              <a:rPr lang="en-US" smtClean="0"/>
+              <a:rPr lang="en-US"/>
               <a:t>Fifth level</a:t>
             </a:r>
-            <a:endParaRPr lang="en-US"/>
           </a:p>
         </p:txBody>
       </p:sp>
@@ -834,7 +826,7 @@
           <a:p>
             <a:fld id="{241EB5C9-1307-BA42-ABA2-0BC069CD8E7F}" type="datetimeFigureOut">
               <a:rPr lang="en-US" smtClean="0"/>
-              <a:t>4/5/2019</a:t>
+              <a:t>1/2/22</a:t>
             </a:fld>
             <a:endParaRPr lang="en-US"/>
           </a:p>
@@ -924,23 +916,22 @@
         </p:nvSpPr>
         <p:spPr>
           <a:xfrm>
-            <a:off x="722313" y="4406900"/>
-            <a:ext cx="7772400" cy="1362075"/>
+            <a:off x="722313" y="3305176"/>
+            <a:ext cx="7772400" cy="1021556"/>
           </a:xfrm>
         </p:spPr>
         <p:txBody>
           <a:bodyPr anchor="t"/>
           <a:lstStyle>
             <a:lvl1pPr algn="l">
-              <a:defRPr sz="4000" b="1" cap="all"/>
+              <a:defRPr sz="3000" b="1" cap="all"/>
             </a:lvl1pPr>
           </a:lstStyle>
           <a:p>
             <a:r>
-              <a:rPr lang="en-US" smtClean="0"/>
+              <a:rPr lang="en-US"/>
               <a:t>Click to edit Master title style</a:t>
             </a:r>
-            <a:endParaRPr lang="en-US"/>
           </a:p>
         </p:txBody>
       </p:sp>
@@ -956,8 +947,8 @@
         </p:nvSpPr>
         <p:spPr>
           <a:xfrm>
-            <a:off x="722313" y="2906713"/>
-            <a:ext cx="7772400" cy="1500187"/>
+            <a:off x="722313" y="2180035"/>
+            <a:ext cx="7772400" cy="1125140"/>
           </a:xfrm>
         </p:spPr>
         <p:txBody>
@@ -965,7 +956,7 @@
           <a:lstStyle>
             <a:lvl1pPr marL="0" indent="0">
               <a:buNone/>
-              <a:defRPr sz="2000">
+              <a:defRPr sz="1500">
                 <a:solidFill>
                   <a:schemeClr val="tx1">
                     <a:tint val="75000"/>
@@ -973,9 +964,9 @@
                 </a:solidFill>
               </a:defRPr>
             </a:lvl1pPr>
-            <a:lvl2pPr marL="457200" indent="0">
-              <a:buNone/>
-              <a:defRPr sz="1800">
+            <a:lvl2pPr marL="342900" indent="0">
+              <a:buNone/>
+              <a:defRPr sz="1350">
                 <a:solidFill>
                   <a:schemeClr val="tx1">
                     <a:tint val="75000"/>
@@ -983,9 +974,9 @@
                 </a:solidFill>
               </a:defRPr>
             </a:lvl2pPr>
-            <a:lvl3pPr marL="914400" indent="0">
-              <a:buNone/>
-              <a:defRPr sz="1600">
+            <a:lvl3pPr marL="685800" indent="0">
+              <a:buNone/>
+              <a:defRPr sz="1200">
                 <a:solidFill>
                   <a:schemeClr val="tx1">
                     <a:tint val="75000"/>
@@ -993,9 +984,9 @@
                 </a:solidFill>
               </a:defRPr>
             </a:lvl3pPr>
-            <a:lvl4pPr marL="1371600" indent="0">
-              <a:buNone/>
-              <a:defRPr sz="1400">
+            <a:lvl4pPr marL="1028700" indent="0">
+              <a:buNone/>
+              <a:defRPr sz="1050">
                 <a:solidFill>
                   <a:schemeClr val="tx1">
                     <a:tint val="75000"/>
@@ -1003,9 +994,9 @@
                 </a:solidFill>
               </a:defRPr>
             </a:lvl4pPr>
-            <a:lvl5pPr marL="1828800" indent="0">
-              <a:buNone/>
-              <a:defRPr sz="1400">
+            <a:lvl5pPr marL="1371600" indent="0">
+              <a:buNone/>
+              <a:defRPr sz="1050">
                 <a:solidFill>
                   <a:schemeClr val="tx1">
                     <a:tint val="75000"/>
@@ -1013,9 +1004,9 @@
                 </a:solidFill>
               </a:defRPr>
             </a:lvl5pPr>
-            <a:lvl6pPr marL="2286000" indent="0">
-              <a:buNone/>
-              <a:defRPr sz="1400">
+            <a:lvl6pPr marL="1714500" indent="0">
+              <a:buNone/>
+              <a:defRPr sz="1050">
                 <a:solidFill>
                   <a:schemeClr val="tx1">
                     <a:tint val="75000"/>
@@ -1023,9 +1014,9 @@
                 </a:solidFill>
               </a:defRPr>
             </a:lvl6pPr>
-            <a:lvl7pPr marL="2743200" indent="0">
-              <a:buNone/>
-              <a:defRPr sz="1400">
+            <a:lvl7pPr marL="2057400" indent="0">
+              <a:buNone/>
+              <a:defRPr sz="1050">
                 <a:solidFill>
                   <a:schemeClr val="tx1">
                     <a:tint val="75000"/>
@@ -1033,9 +1024,9 @@
                 </a:solidFill>
               </a:defRPr>
             </a:lvl7pPr>
-            <a:lvl8pPr marL="3200400" indent="0">
-              <a:buNone/>
-              <a:defRPr sz="1400">
+            <a:lvl8pPr marL="2400300" indent="0">
+              <a:buNone/>
+              <a:defRPr sz="1050">
                 <a:solidFill>
                   <a:schemeClr val="tx1">
                     <a:tint val="75000"/>
@@ -1043,9 +1034,9 @@
                 </a:solidFill>
               </a:defRPr>
             </a:lvl8pPr>
-            <a:lvl9pPr marL="3657600" indent="0">
-              <a:buNone/>
-              <a:defRPr sz="1400">
+            <a:lvl9pPr marL="2743200" indent="0">
+              <a:buNone/>
+              <a:defRPr sz="1050">
                 <a:solidFill>
                   <a:schemeClr val="tx1">
                     <a:tint val="75000"/>
@@ -1057,7 +1048,7 @@
           <a:p>
             <a:pPr lvl="0"/>
             <a:r>
-              <a:rPr lang="en-US" smtClean="0"/>
+              <a:rPr lang="en-US"/>
               <a:t>Click to edit Master text styles</a:t>
             </a:r>
           </a:p>
@@ -1080,7 +1071,7 @@
           <a:p>
             <a:fld id="{241EB5C9-1307-BA42-ABA2-0BC069CD8E7F}" type="datetimeFigureOut">
               <a:rPr lang="en-US" smtClean="0"/>
-              <a:t>4/5/2019</a:t>
+              <a:t>1/2/22</a:t>
             </a:fld>
             <a:endParaRPr lang="en-US"/>
           </a:p>
@@ -1174,10 +1165,9 @@
           <a:lstStyle/>
           <a:p>
             <a:r>
-              <a:rPr lang="en-US" smtClean="0"/>
+              <a:rPr lang="en-US"/>
               <a:t>Click to edit Master title style</a:t>
             </a:r>
-            <a:endParaRPr lang="en-US"/>
           </a:p>
         </p:txBody>
       </p:sp>
@@ -1193,76 +1183,75 @@
         </p:nvSpPr>
         <p:spPr>
           <a:xfrm>
-            <a:off x="457200" y="1600200"/>
-            <a:ext cx="4038600" cy="4525963"/>
+            <a:off x="457200" y="1200151"/>
+            <a:ext cx="4038600" cy="3394472"/>
           </a:xfrm>
         </p:spPr>
         <p:txBody>
           <a:bodyPr/>
           <a:lstStyle>
             <a:lvl1pPr>
-              <a:defRPr sz="2800"/>
+              <a:defRPr sz="2100"/>
             </a:lvl1pPr>
             <a:lvl2pPr>
-              <a:defRPr sz="2400"/>
+              <a:defRPr sz="1800"/>
             </a:lvl2pPr>
             <a:lvl3pPr>
-              <a:defRPr sz="2000"/>
+              <a:defRPr sz="1500"/>
             </a:lvl3pPr>
             <a:lvl4pPr>
-              <a:defRPr sz="1800"/>
+              <a:defRPr sz="1350"/>
             </a:lvl4pPr>
             <a:lvl5pPr>
-              <a:defRPr sz="1800"/>
+              <a:defRPr sz="1350"/>
             </a:lvl5pPr>
             <a:lvl6pPr>
-              <a:defRPr sz="1800"/>
+              <a:defRPr sz="1350"/>
             </a:lvl6pPr>
             <a:lvl7pPr>
-              <a:defRPr sz="1800"/>
+              <a:defRPr sz="1350"/>
             </a:lvl7pPr>
             <a:lvl8pPr>
-              <a:defRPr sz="1800"/>
+              <a:defRPr sz="1350"/>
             </a:lvl8pPr>
             <a:lvl9pPr>
-              <a:defRPr sz="1800"/>
+              <a:defRPr sz="1350"/>
             </a:lvl9pPr>
           </a:lstStyle>
           <a:p>
             <a:pPr lvl="0"/>
             <a:r>
-              <a:rPr lang="en-US" smtClean="0"/>
+              <a:rPr lang="en-US"/>
               <a:t>Click to edit Master text styles</a:t>
             </a:r>
           </a:p>
           <a:p>
             <a:pPr lvl="1"/>
             <a:r>
-              <a:rPr lang="en-US" smtClean="0"/>
+              <a:rPr lang="en-US"/>
               <a:t>Second level</a:t>
             </a:r>
           </a:p>
           <a:p>
             <a:pPr lvl="2"/>
             <a:r>
-              <a:rPr lang="en-US" smtClean="0"/>
+              <a:rPr lang="en-US"/>
               <a:t>Third level</a:t>
             </a:r>
           </a:p>
           <a:p>
             <a:pPr lvl="3"/>
             <a:r>
-              <a:rPr lang="en-US" smtClean="0"/>
+              <a:rPr lang="en-US"/>
               <a:t>Fourth level</a:t>
             </a:r>
           </a:p>
           <a:p>
             <a:pPr lvl="4"/>
             <a:r>
-              <a:rPr lang="en-US" smtClean="0"/>
+              <a:rPr lang="en-US"/>
               <a:t>Fifth level</a:t>
             </a:r>
-            <a:endParaRPr lang="en-US"/>
           </a:p>
         </p:txBody>
       </p:sp>
@@ -1278,76 +1267,75 @@
         </p:nvSpPr>
         <p:spPr>
           <a:xfrm>
-            <a:off x="4648200" y="1600200"/>
-            <a:ext cx="4038600" cy="4525963"/>
+            <a:off x="4648200" y="1200151"/>
+            <a:ext cx="4038600" cy="3394472"/>
           </a:xfrm>
         </p:spPr>
         <p:txBody>
           <a:bodyPr/>
           <a:lstStyle>
             <a:lvl1pPr>
-              <a:defRPr sz="2800"/>
+              <a:defRPr sz="2100"/>
             </a:lvl1pPr>
             <a:lvl2pPr>
-              <a:defRPr sz="2400"/>
+              <a:defRPr sz="1800"/>
             </a:lvl2pPr>
             <a:lvl3pPr>
-              <a:defRPr sz="2000"/>
+              <a:defRPr sz="1500"/>
             </a:lvl3pPr>
             <a:lvl4pPr>
-              <a:defRPr sz="1800"/>
+              <a:defRPr sz="1350"/>
             </a:lvl4pPr>
             <a:lvl5pPr>
-              <a:defRPr sz="1800"/>
+              <a:defRPr sz="1350"/>
             </a:lvl5pPr>
             <a:lvl6pPr>
-              <a:defRPr sz="1800"/>
+              <a:defRPr sz="1350"/>
             </a:lvl6pPr>
             <a:lvl7pPr>
-              <a:defRPr sz="1800"/>
+              <a:defRPr sz="1350"/>
             </a:lvl7pPr>
             <a:lvl8pPr>
-              <a:defRPr sz="1800"/>
+              <a:defRPr sz="1350"/>
             </a:lvl8pPr>
             <a:lvl9pPr>
-              <a:defRPr sz="1800"/>
+              <a:defRPr sz="1350"/>
             </a:lvl9pPr>
           </a:lstStyle>
           <a:p>
             <a:pPr lvl="0"/>
             <a:r>
-              <a:rPr lang="en-US" smtClean="0"/>
+              <a:rPr lang="en-US"/>
               <a:t>Click to edit Master text styles</a:t>
             </a:r>
           </a:p>
           <a:p>
             <a:pPr lvl="1"/>
             <a:r>
-              <a:rPr lang="en-US" smtClean="0"/>
+              <a:rPr lang="en-US"/>
               <a:t>Second level</a:t>
             </a:r>
           </a:p>
           <a:p>
             <a:pPr lvl="2"/>
             <a:r>
-              <a:rPr lang="en-US" smtClean="0"/>
+              <a:rPr lang="en-US"/>
               <a:t>Third level</a:t>
             </a:r>
           </a:p>
           <a:p>
             <a:pPr lvl="3"/>
             <a:r>
-              <a:rPr lang="en-US" smtClean="0"/>
+              <a:rPr lang="en-US"/>
               <a:t>Fourth level</a:t>
             </a:r>
           </a:p>
           <a:p>
             <a:pPr lvl="4"/>
             <a:r>
-              <a:rPr lang="en-US" smtClean="0"/>
+              <a:rPr lang="en-US"/>
               <a:t>Fifth level</a:t>
             </a:r>
-            <a:endParaRPr lang="en-US"/>
           </a:p>
         </p:txBody>
       </p:sp>
@@ -1368,7 +1356,7 @@
           <a:p>
             <a:fld id="{241EB5C9-1307-BA42-ABA2-0BC069CD8E7F}" type="datetimeFigureOut">
               <a:rPr lang="en-US" smtClean="0"/>
-              <a:t>4/5/2019</a:t>
+              <a:t>1/2/22</a:t>
             </a:fld>
             <a:endParaRPr lang="en-US"/>
           </a:p>
@@ -1466,10 +1454,9 @@
           </a:lstStyle>
           <a:p>
             <a:r>
-              <a:rPr lang="en-US" smtClean="0"/>
+              <a:rPr lang="en-US"/>
               <a:t>Click to edit Master title style</a:t>
             </a:r>
-            <a:endParaRPr lang="en-US"/>
           </a:p>
         </p:txBody>
       </p:sp>
@@ -1485,8 +1472,8 @@
         </p:nvSpPr>
         <p:spPr>
           <a:xfrm>
-            <a:off x="457200" y="1535113"/>
-            <a:ext cx="4040188" cy="639762"/>
+            <a:off x="457200" y="1151335"/>
+            <a:ext cx="4040188" cy="479822"/>
           </a:xfrm>
         </p:spPr>
         <p:txBody>
@@ -1494,45 +1481,45 @@
           <a:lstStyle>
             <a:lvl1pPr marL="0" indent="0">
               <a:buNone/>
-              <a:defRPr sz="2400" b="1"/>
+              <a:defRPr sz="1800" b="1"/>
             </a:lvl1pPr>
-            <a:lvl2pPr marL="457200" indent="0">
-              <a:buNone/>
-              <a:defRPr sz="2000" b="1"/>
+            <a:lvl2pPr marL="342900" indent="0">
+              <a:buNone/>
+              <a:defRPr sz="1500" b="1"/>
             </a:lvl2pPr>
-            <a:lvl3pPr marL="914400" indent="0">
-              <a:buNone/>
-              <a:defRPr sz="1800" b="1"/>
+            <a:lvl3pPr marL="685800" indent="0">
+              <a:buNone/>
+              <a:defRPr sz="1350" b="1"/>
             </a:lvl3pPr>
-            <a:lvl4pPr marL="1371600" indent="0">
-              <a:buNone/>
-              <a:defRPr sz="1600" b="1"/>
+            <a:lvl4pPr marL="1028700" indent="0">
+              <a:buNone/>
+              <a:defRPr sz="1200" b="1"/>
             </a:lvl4pPr>
-            <a:lvl5pPr marL="1828800" indent="0">
-              <a:buNone/>
-              <a:defRPr sz="1600" b="1"/>
+            <a:lvl5pPr marL="1371600" indent="0">
+              <a:buNone/>
+              <a:defRPr sz="1200" b="1"/>
             </a:lvl5pPr>
-            <a:lvl6pPr marL="2286000" indent="0">
-              <a:buNone/>
-              <a:defRPr sz="1600" b="1"/>
+            <a:lvl6pPr marL="1714500" indent="0">
+              <a:buNone/>
+              <a:defRPr sz="1200" b="1"/>
             </a:lvl6pPr>
-            <a:lvl7pPr marL="2743200" indent="0">
-              <a:buNone/>
-              <a:defRPr sz="1600" b="1"/>
+            <a:lvl7pPr marL="2057400" indent="0">
+              <a:buNone/>
+              <a:defRPr sz="1200" b="1"/>
             </a:lvl7pPr>
-            <a:lvl8pPr marL="3200400" indent="0">
-              <a:buNone/>
-              <a:defRPr sz="1600" b="1"/>
+            <a:lvl8pPr marL="2400300" indent="0">
+              <a:buNone/>
+              <a:defRPr sz="1200" b="1"/>
             </a:lvl8pPr>
-            <a:lvl9pPr marL="3657600" indent="0">
-              <a:buNone/>
-              <a:defRPr sz="1600" b="1"/>
+            <a:lvl9pPr marL="2743200" indent="0">
+              <a:buNone/>
+              <a:defRPr sz="1200" b="1"/>
             </a:lvl9pPr>
           </a:lstStyle>
           <a:p>
             <a:pPr lvl="0"/>
             <a:r>
-              <a:rPr lang="en-US" smtClean="0"/>
+              <a:rPr lang="en-US"/>
               <a:t>Click to edit Master text styles</a:t>
             </a:r>
           </a:p>
@@ -1550,76 +1537,75 @@
         </p:nvSpPr>
         <p:spPr>
           <a:xfrm>
-            <a:off x="457200" y="2174875"/>
-            <a:ext cx="4040188" cy="3951288"/>
+            <a:off x="457200" y="1631156"/>
+            <a:ext cx="4040188" cy="2963466"/>
           </a:xfrm>
         </p:spPr>
         <p:txBody>
           <a:bodyPr/>
           <a:lstStyle>
             <a:lvl1pPr>
-              <a:defRPr sz="2400"/>
+              <a:defRPr sz="1800"/>
             </a:lvl1pPr>
             <a:lvl2pPr>
-              <a:defRPr sz="2000"/>
+              <a:defRPr sz="1500"/>
             </a:lvl2pPr>
             <a:lvl3pPr>
-              <a:defRPr sz="1800"/>
+              <a:defRPr sz="1350"/>
             </a:lvl3pPr>
             <a:lvl4pPr>
-              <a:defRPr sz="1600"/>
+              <a:defRPr sz="1200"/>
             </a:lvl4pPr>
             <a:lvl5pPr>
-              <a:defRPr sz="1600"/>
+              <a:defRPr sz="1200"/>
             </a:lvl5pPr>
             <a:lvl6pPr>
-              <a:defRPr sz="1600"/>
+              <a:defRPr sz="1200"/>
             </a:lvl6pPr>
             <a:lvl7pPr>
-              <a:defRPr sz="1600"/>
+              <a:defRPr sz="1200"/>
             </a:lvl7pPr>
             <a:lvl8pPr>
-              <a:defRPr sz="1600"/>
+              <a:defRPr sz="1200"/>
             </a:lvl8pPr>
             <a:lvl9pPr>
-              <a:defRPr sz="1600"/>
+              <a:defRPr sz="1200"/>
             </a:lvl9pPr>
           </a:lstStyle>
           <a:p>
             <a:pPr lvl="0"/>
             <a:r>
-              <a:rPr lang="en-US" smtClean="0"/>
+              <a:rPr lang="en-US"/>
               <a:t>Click to edit Master text styles</a:t>
             </a:r>
           </a:p>
           <a:p>
             <a:pPr lvl="1"/>
             <a:r>
-              <a:rPr lang="en-US" smtClean="0"/>
+              <a:rPr lang="en-US"/>
               <a:t>Second level</a:t>
             </a:r>
           </a:p>
           <a:p>
             <a:pPr lvl="2"/>
             <a:r>
-              <a:rPr lang="en-US" smtClean="0"/>
+              <a:rPr lang="en-US"/>
               <a:t>Third level</a:t>
             </a:r>
           </a:p>
           <a:p>
             <a:pPr lvl="3"/>
             <a:r>
-              <a:rPr lang="en-US" smtClean="0"/>
+              <a:rPr lang="en-US"/>
               <a:t>Fourth level</a:t>
             </a:r>
           </a:p>
           <a:p>
             <a:pPr lvl="4"/>
             <a:r>
-              <a:rPr lang="en-US" smtClean="0"/>
+              <a:rPr lang="en-US"/>
               <a:t>Fifth level</a:t>
             </a:r>
-            <a:endParaRPr lang="en-US"/>
           </a:p>
         </p:txBody>
       </p:sp>
@@ -1635,8 +1621,8 @@
         </p:nvSpPr>
         <p:spPr>
           <a:xfrm>
-            <a:off x="4645025" y="1535113"/>
-            <a:ext cx="4041775" cy="639762"/>
+            <a:off x="4645026" y="1151335"/>
+            <a:ext cx="4041775" cy="479822"/>
           </a:xfrm>
         </p:spPr>
         <p:txBody>
@@ -1644,45 +1630,45 @@
           <a:lstStyle>
             <a:lvl1pPr marL="0" indent="0">
               <a:buNone/>
-              <a:defRPr sz="2400" b="1"/>
+              <a:defRPr sz="1800" b="1"/>
             </a:lvl1pPr>
-            <a:lvl2pPr marL="457200" indent="0">
-              <a:buNone/>
-              <a:defRPr sz="2000" b="1"/>
+            <a:lvl2pPr marL="342900" indent="0">
+              <a:buNone/>
+              <a:defRPr sz="1500" b="1"/>
             </a:lvl2pPr>
-            <a:lvl3pPr marL="914400" indent="0">
-              <a:buNone/>
-              <a:defRPr sz="1800" b="1"/>
+            <a:lvl3pPr marL="685800" indent="0">
+              <a:buNone/>
+              <a:defRPr sz="1350" b="1"/>
             </a:lvl3pPr>
-            <a:lvl4pPr marL="1371600" indent="0">
-              <a:buNone/>
-              <a:defRPr sz="1600" b="1"/>
+            <a:lvl4pPr marL="1028700" indent="0">
+              <a:buNone/>
+              <a:defRPr sz="1200" b="1"/>
             </a:lvl4pPr>
-            <a:lvl5pPr marL="1828800" indent="0">
-              <a:buNone/>
-              <a:defRPr sz="1600" b="1"/>
+            <a:lvl5pPr marL="1371600" indent="0">
+              <a:buNone/>
+              <a:defRPr sz="1200" b="1"/>
             </a:lvl5pPr>
-            <a:lvl6pPr marL="2286000" indent="0">
-              <a:buNone/>
-              <a:defRPr sz="1600" b="1"/>
+            <a:lvl6pPr marL="1714500" indent="0">
+              <a:buNone/>
+              <a:defRPr sz="1200" b="1"/>
             </a:lvl6pPr>
-            <a:lvl7pPr marL="2743200" indent="0">
-              <a:buNone/>
-              <a:defRPr sz="1600" b="1"/>
+            <a:lvl7pPr marL="2057400" indent="0">
+              <a:buNone/>
+              <a:defRPr sz="1200" b="1"/>
             </a:lvl7pPr>
-            <a:lvl8pPr marL="3200400" indent="0">
-              <a:buNone/>
-              <a:defRPr sz="1600" b="1"/>
+            <a:lvl8pPr marL="2400300" indent="0">
+              <a:buNone/>
+              <a:defRPr sz="1200" b="1"/>
             </a:lvl8pPr>
-            <a:lvl9pPr marL="3657600" indent="0">
-              <a:buNone/>
-              <a:defRPr sz="1600" b="1"/>
+            <a:lvl9pPr marL="2743200" indent="0">
+              <a:buNone/>
+              <a:defRPr sz="1200" b="1"/>
             </a:lvl9pPr>
           </a:lstStyle>
           <a:p>
             <a:pPr lvl="0"/>
             <a:r>
-              <a:rPr lang="en-US" smtClean="0"/>
+              <a:rPr lang="en-US"/>
               <a:t>Click to edit Master text styles</a:t>
             </a:r>
           </a:p>
@@ -1700,76 +1686,75 @@
         </p:nvSpPr>
         <p:spPr>
           <a:xfrm>
-            <a:off x="4645025" y="2174875"/>
-            <a:ext cx="4041775" cy="3951288"/>
+            <a:off x="4645026" y="1631156"/>
+            <a:ext cx="4041775" cy="2963466"/>
           </a:xfrm>
         </p:spPr>
         <p:txBody>
           <a:bodyPr/>
           <a:lstStyle>
             <a:lvl1pPr>
-              <a:defRPr sz="2400"/>
+              <a:defRPr sz="1800"/>
             </a:lvl1pPr>
             <a:lvl2pPr>
-              <a:defRPr sz="2000"/>
+              <a:defRPr sz="1500"/>
             </a:lvl2pPr>
             <a:lvl3pPr>
-              <a:defRPr sz="1800"/>
+              <a:defRPr sz="1350"/>
             </a:lvl3pPr>
             <a:lvl4pPr>
-              <a:defRPr sz="1600"/>
+              <a:defRPr sz="1200"/>
             </a:lvl4pPr>
             <a:lvl5pPr>
-              <a:defRPr sz="1600"/>
+              <a:defRPr sz="1200"/>
             </a:lvl5pPr>
             <a:lvl6pPr>
-              <a:defRPr sz="1600"/>
+              <a:defRPr sz="1200"/>
             </a:lvl6pPr>
             <a:lvl7pPr>
-              <a:defRPr sz="1600"/>
+              <a:defRPr sz="1200"/>
             </a:lvl7pPr>
             <a:lvl8pPr>
-              <a:defRPr sz="1600"/>
+              <a:defRPr sz="1200"/>
             </a:lvl8pPr>
             <a:lvl9pPr>
-              <a:defRPr sz="1600"/>
+              <a:defRPr sz="1200"/>
             </a:lvl9pPr>
           </a:lstStyle>
           <a:p>
             <a:pPr lvl="0"/>
             <a:r>
-              <a:rPr lang="en-US" smtClean="0"/>
+              <a:rPr lang="en-US"/>
               <a:t>Click to edit Master text styles</a:t>
             </a:r>
           </a:p>
           <a:p>
             <a:pPr lvl="1"/>
             <a:r>
-              <a:rPr lang="en-US" smtClean="0"/>
+              <a:rPr lang="en-US"/>
               <a:t>Second level</a:t>
             </a:r>
           </a:p>
           <a:p>
             <a:pPr lvl="2"/>
             <a:r>
-              <a:rPr lang="en-US" smtClean="0"/>
+              <a:rPr lang="en-US"/>
               <a:t>Third level</a:t>
             </a:r>
           </a:p>
           <a:p>
             <a:pPr lvl="3"/>
             <a:r>
-              <a:rPr lang="en-US" smtClean="0"/>
+              <a:rPr lang="en-US"/>
               <a:t>Fourth level</a:t>
             </a:r>
           </a:p>
           <a:p>
             <a:pPr lvl="4"/>
             <a:r>
-              <a:rPr lang="en-US" smtClean="0"/>
+              <a:rPr lang="en-US"/>
               <a:t>Fifth level</a:t>
             </a:r>
-            <a:endParaRPr lang="en-US"/>
           </a:p>
         </p:txBody>
       </p:sp>
@@ -1790,7 +1775,7 @@
           <a:p>
             <a:fld id="{241EB5C9-1307-BA42-ABA2-0BC069CD8E7F}" type="datetimeFigureOut">
               <a:rPr lang="en-US" smtClean="0"/>
-              <a:t>4/5/2019</a:t>
+              <a:t>1/2/22</a:t>
             </a:fld>
             <a:endParaRPr lang="en-US"/>
           </a:p>
@@ -1884,10 +1869,9 @@
           <a:lstStyle/>
           <a:p>
             <a:r>
-              <a:rPr lang="en-US" smtClean="0"/>
+              <a:rPr lang="en-US"/>
               <a:t>Click to edit Master title style</a:t>
             </a:r>
-            <a:endParaRPr lang="en-US"/>
           </a:p>
         </p:txBody>
       </p:sp>
@@ -1908,7 +1892,7 @@
           <a:p>
             <a:fld id="{241EB5C9-1307-BA42-ABA2-0BC069CD8E7F}" type="datetimeFigureOut">
               <a:rPr lang="en-US" smtClean="0"/>
-              <a:t>4/5/2019</a:t>
+              <a:t>1/2/22</a:t>
             </a:fld>
             <a:endParaRPr lang="en-US"/>
           </a:p>
@@ -2003,7 +1987,7 @@
           <a:p>
             <a:fld id="{241EB5C9-1307-BA42-ABA2-0BC069CD8E7F}" type="datetimeFigureOut">
               <a:rPr lang="en-US" smtClean="0"/>
-              <a:t>4/5/2019</a:t>
+              <a:t>1/2/22</a:t>
             </a:fld>
             <a:endParaRPr lang="en-US"/>
           </a:p>
@@ -2093,23 +2077,22 @@
         </p:nvSpPr>
         <p:spPr>
           <a:xfrm>
-            <a:off x="457200" y="273050"/>
-            <a:ext cx="3008313" cy="1162050"/>
+            <a:off x="457201" y="204787"/>
+            <a:ext cx="3008313" cy="871538"/>
           </a:xfrm>
         </p:spPr>
         <p:txBody>
           <a:bodyPr anchor="b"/>
           <a:lstStyle>
             <a:lvl1pPr algn="l">
-              <a:defRPr sz="2000" b="1"/>
+              <a:defRPr sz="1500" b="1"/>
             </a:lvl1pPr>
           </a:lstStyle>
           <a:p>
             <a:r>
-              <a:rPr lang="en-US" smtClean="0"/>
+              <a:rPr lang="en-US"/>
               <a:t>Click to edit Master title style</a:t>
             </a:r>
-            <a:endParaRPr lang="en-US"/>
           </a:p>
         </p:txBody>
       </p:sp>
@@ -2125,76 +2108,75 @@
         </p:nvSpPr>
         <p:spPr>
           <a:xfrm>
-            <a:off x="3575050" y="273050"/>
-            <a:ext cx="5111750" cy="5853113"/>
+            <a:off x="3575050" y="204788"/>
+            <a:ext cx="5111750" cy="4389835"/>
           </a:xfrm>
         </p:spPr>
         <p:txBody>
           <a:bodyPr/>
           <a:lstStyle>
             <a:lvl1pPr>
-              <a:defRPr sz="3200"/>
+              <a:defRPr sz="2400"/>
             </a:lvl1pPr>
             <a:lvl2pPr>
-              <a:defRPr sz="2800"/>
+              <a:defRPr sz="2100"/>
             </a:lvl2pPr>
             <a:lvl3pPr>
-              <a:defRPr sz="2400"/>
+              <a:defRPr sz="1800"/>
             </a:lvl3pPr>
             <a:lvl4pPr>
-              <a:defRPr sz="2000"/>
+              <a:defRPr sz="1500"/>
             </a:lvl4pPr>
             <a:lvl5pPr>
-              <a:defRPr sz="2000"/>
+              <a:defRPr sz="1500"/>
             </a:lvl5pPr>
             <a:lvl6pPr>
-              <a:defRPr sz="2000"/>
+              <a:defRPr sz="1500"/>
             </a:lvl6pPr>
             <a:lvl7pPr>
-              <a:defRPr sz="2000"/>
+              <a:defRPr sz="1500"/>
             </a:lvl7pPr>
             <a:lvl8pPr>
-              <a:defRPr sz="2000"/>
+              <a:defRPr sz="1500"/>
             </a:lvl8pPr>
             <a:lvl9pPr>
-              <a:defRPr sz="2000"/>
+              <a:defRPr sz="1500"/>
             </a:lvl9pPr>
           </a:lstStyle>
           <a:p>
             <a:pPr lvl="0"/>
             <a:r>
-              <a:rPr lang="en-US" smtClean="0"/>
+              <a:rPr lang="en-US"/>
               <a:t>Click to edit Master text styles</a:t>
             </a:r>
           </a:p>
           <a:p>
             <a:pPr lvl="1"/>
             <a:r>
-              <a:rPr lang="en-US" smtClean="0"/>
+              <a:rPr lang="en-US"/>
               <a:t>Second level</a:t>
             </a:r>
           </a:p>
           <a:p>
             <a:pPr lvl="2"/>
             <a:r>
-              <a:rPr lang="en-US" smtClean="0"/>
+              <a:rPr lang="en-US"/>
               <a:t>Third level</a:t>
             </a:r>
           </a:p>
           <a:p>
             <a:pPr lvl="3"/>
             <a:r>
-              <a:rPr lang="en-US" smtClean="0"/>
+              <a:rPr lang="en-US"/>
               <a:t>Fourth level</a:t>
             </a:r>
           </a:p>
           <a:p>
             <a:pPr lvl="4"/>
             <a:r>
-              <a:rPr lang="en-US" smtClean="0"/>
+              <a:rPr lang="en-US"/>
               <a:t>Fifth level</a:t>
             </a:r>
-            <a:endParaRPr lang="en-US"/>
           </a:p>
         </p:txBody>
       </p:sp>
@@ -2210,8 +2192,8 @@
         </p:nvSpPr>
         <p:spPr>
           <a:xfrm>
-            <a:off x="457200" y="1435100"/>
-            <a:ext cx="3008313" cy="4691063"/>
+            <a:off x="457201" y="1076326"/>
+            <a:ext cx="3008313" cy="3518297"/>
           </a:xfrm>
         </p:spPr>
         <p:txBody>
@@ -2219,45 +2201,45 @@
           <a:lstStyle>
             <a:lvl1pPr marL="0" indent="0">
               <a:buNone/>
-              <a:defRPr sz="1400"/>
+              <a:defRPr sz="1050"/>
             </a:lvl1pPr>
-            <a:lvl2pPr marL="457200" indent="0">
-              <a:buNone/>
-              <a:defRPr sz="1200"/>
+            <a:lvl2pPr marL="342900" indent="0">
+              <a:buNone/>
+              <a:defRPr sz="900"/>
             </a:lvl2pPr>
-            <a:lvl3pPr marL="914400" indent="0">
-              <a:buNone/>
-              <a:defRPr sz="1000"/>
+            <a:lvl3pPr marL="685800" indent="0">
+              <a:buNone/>
+              <a:defRPr sz="750"/>
             </a:lvl3pPr>
-            <a:lvl4pPr marL="1371600" indent="0">
-              <a:buNone/>
-              <a:defRPr sz="900"/>
+            <a:lvl4pPr marL="1028700" indent="0">
+              <a:buNone/>
+              <a:defRPr sz="675"/>
             </a:lvl4pPr>
-            <a:lvl5pPr marL="1828800" indent="0">
-              <a:buNone/>
-              <a:defRPr sz="900"/>
+            <a:lvl5pPr marL="1371600" indent="0">
+              <a:buNone/>
+              <a:defRPr sz="675"/>
             </a:lvl5pPr>
-            <a:lvl6pPr marL="2286000" indent="0">
-              <a:buNone/>
-              <a:defRPr sz="900"/>
+            <a:lvl6pPr marL="1714500" indent="0">
+              <a:buNone/>
+              <a:defRPr sz="675"/>
             </a:lvl6pPr>
-            <a:lvl7pPr marL="2743200" indent="0">
-              <a:buNone/>
-              <a:defRPr sz="900"/>
+            <a:lvl7pPr marL="2057400" indent="0">
+              <a:buNone/>
+              <a:defRPr sz="675"/>
             </a:lvl7pPr>
-            <a:lvl8pPr marL="3200400" indent="0">
-              <a:buNone/>
-              <a:defRPr sz="900"/>
+            <a:lvl8pPr marL="2400300" indent="0">
+              <a:buNone/>
+              <a:defRPr sz="675"/>
             </a:lvl8pPr>
-            <a:lvl9pPr marL="3657600" indent="0">
-              <a:buNone/>
-              <a:defRPr sz="900"/>
+            <a:lvl9pPr marL="2743200" indent="0">
+              <a:buNone/>
+              <a:defRPr sz="675"/>
             </a:lvl9pPr>
           </a:lstStyle>
           <a:p>
             <a:pPr lvl="0"/>
             <a:r>
-              <a:rPr lang="en-US" smtClean="0"/>
+              <a:rPr lang="en-US"/>
               <a:t>Click to edit Master text styles</a:t>
             </a:r>
           </a:p>
@@ -2280,7 +2262,7 @@
           <a:p>
             <a:fld id="{241EB5C9-1307-BA42-ABA2-0BC069CD8E7F}" type="datetimeFigureOut">
               <a:rPr lang="en-US" smtClean="0"/>
-              <a:t>4/5/2019</a:t>
+              <a:t>1/2/22</a:t>
             </a:fld>
             <a:endParaRPr lang="en-US"/>
           </a:p>
@@ -2370,23 +2352,22 @@
         </p:nvSpPr>
         <p:spPr>
           <a:xfrm>
-            <a:off x="1792288" y="4800600"/>
-            <a:ext cx="5486400" cy="566738"/>
+            <a:off x="1792288" y="3600450"/>
+            <a:ext cx="5486400" cy="425054"/>
           </a:xfrm>
         </p:spPr>
         <p:txBody>
           <a:bodyPr anchor="b"/>
           <a:lstStyle>
             <a:lvl1pPr algn="l">
-              <a:defRPr sz="2000" b="1"/>
+              <a:defRPr sz="1500" b="1"/>
             </a:lvl1pPr>
           </a:lstStyle>
           <a:p>
             <a:r>
-              <a:rPr lang="en-US" smtClean="0"/>
+              <a:rPr lang="en-US"/>
               <a:t>Click to edit Master title style</a:t>
             </a:r>
-            <a:endParaRPr lang="en-US"/>
           </a:p>
         </p:txBody>
       </p:sp>
@@ -2402,8 +2383,8 @@
         </p:nvSpPr>
         <p:spPr>
           <a:xfrm>
-            <a:off x="1792288" y="612775"/>
-            <a:ext cx="5486400" cy="4114800"/>
+            <a:off x="1792288" y="459581"/>
+            <a:ext cx="5486400" cy="3086100"/>
           </a:xfrm>
         </p:spPr>
         <p:txBody>
@@ -2411,39 +2392,39 @@
           <a:lstStyle>
             <a:lvl1pPr marL="0" indent="0">
               <a:buNone/>
-              <a:defRPr sz="3200"/>
+              <a:defRPr sz="2400"/>
             </a:lvl1pPr>
-            <a:lvl2pPr marL="457200" indent="0">
-              <a:buNone/>
-              <a:defRPr sz="2800"/>
+            <a:lvl2pPr marL="342900" indent="0">
+              <a:buNone/>
+              <a:defRPr sz="2100"/>
             </a:lvl2pPr>
-            <a:lvl3pPr marL="914400" indent="0">
-              <a:buNone/>
-              <a:defRPr sz="2400"/>
+            <a:lvl3pPr marL="685800" indent="0">
+              <a:buNone/>
+              <a:defRPr sz="1800"/>
             </a:lvl3pPr>
-            <a:lvl4pPr marL="1371600" indent="0">
-              <a:buNone/>
-              <a:defRPr sz="2000"/>
+            <a:lvl4pPr marL="1028700" indent="0">
+              <a:buNone/>
+              <a:defRPr sz="1500"/>
             </a:lvl4pPr>
-            <a:lvl5pPr marL="1828800" indent="0">
-              <a:buNone/>
-              <a:defRPr sz="2000"/>
+            <a:lvl5pPr marL="1371600" indent="0">
+              <a:buNone/>
+              <a:defRPr sz="1500"/>
             </a:lvl5pPr>
-            <a:lvl6pPr marL="2286000" indent="0">
-              <a:buNone/>
-              <a:defRPr sz="2000"/>
+            <a:lvl6pPr marL="1714500" indent="0">
+              <a:buNone/>
+              <a:defRPr sz="1500"/>
             </a:lvl6pPr>
-            <a:lvl7pPr marL="2743200" indent="0">
-              <a:buNone/>
-              <a:defRPr sz="2000"/>
+            <a:lvl7pPr marL="2057400" indent="0">
+              <a:buNone/>
+              <a:defRPr sz="1500"/>
             </a:lvl7pPr>
-            <a:lvl8pPr marL="3200400" indent="0">
-              <a:buNone/>
-              <a:defRPr sz="2000"/>
+            <a:lvl8pPr marL="2400300" indent="0">
+              <a:buNone/>
+              <a:defRPr sz="1500"/>
             </a:lvl8pPr>
-            <a:lvl9pPr marL="3657600" indent="0">
-              <a:buNone/>
-              <a:defRPr sz="2000"/>
+            <a:lvl9pPr marL="2743200" indent="0">
+              <a:buNone/>
+              <a:defRPr sz="1500"/>
             </a:lvl9pPr>
           </a:lstStyle>
           <a:p>
@@ -2463,8 +2444,8 @@
         </p:nvSpPr>
         <p:spPr>
           <a:xfrm>
-            <a:off x="1792288" y="5367338"/>
-            <a:ext cx="5486400" cy="804862"/>
+            <a:off x="1792288" y="4025503"/>
+            <a:ext cx="5486400" cy="603647"/>
           </a:xfrm>
         </p:spPr>
         <p:txBody>
@@ -2472,45 +2453,45 @@
           <a:lstStyle>
             <a:lvl1pPr marL="0" indent="0">
               <a:buNone/>
-              <a:defRPr sz="1400"/>
+              <a:defRPr sz="1050"/>
             </a:lvl1pPr>
-            <a:lvl2pPr marL="457200" indent="0">
-              <a:buNone/>
-              <a:defRPr sz="1200"/>
+            <a:lvl2pPr marL="342900" indent="0">
+              <a:buNone/>
+              <a:defRPr sz="900"/>
             </a:lvl2pPr>
-            <a:lvl3pPr marL="914400" indent="0">
-              <a:buNone/>
-              <a:defRPr sz="1000"/>
+            <a:lvl3pPr marL="685800" indent="0">
+              <a:buNone/>
+              <a:defRPr sz="750"/>
             </a:lvl3pPr>
-            <a:lvl4pPr marL="1371600" indent="0">
-              <a:buNone/>
-              <a:defRPr sz="900"/>
+            <a:lvl4pPr marL="1028700" indent="0">
+              <a:buNone/>
+              <a:defRPr sz="675"/>
             </a:lvl4pPr>
-            <a:lvl5pPr marL="1828800" indent="0">
-              <a:buNone/>
-              <a:defRPr sz="900"/>
+            <a:lvl5pPr marL="1371600" indent="0">
+              <a:buNone/>
+              <a:defRPr sz="675"/>
             </a:lvl5pPr>
-            <a:lvl6pPr marL="2286000" indent="0">
-              <a:buNone/>
-              <a:defRPr sz="900"/>
+            <a:lvl6pPr marL="1714500" indent="0">
+              <a:buNone/>
+              <a:defRPr sz="675"/>
             </a:lvl6pPr>
-            <a:lvl7pPr marL="2743200" indent="0">
-              <a:buNone/>
-              <a:defRPr sz="900"/>
+            <a:lvl7pPr marL="2057400" indent="0">
+              <a:buNone/>
+              <a:defRPr sz="675"/>
             </a:lvl7pPr>
-            <a:lvl8pPr marL="3200400" indent="0">
-              <a:buNone/>
-              <a:defRPr sz="900"/>
+            <a:lvl8pPr marL="2400300" indent="0">
+              <a:buNone/>
+              <a:defRPr sz="675"/>
             </a:lvl8pPr>
-            <a:lvl9pPr marL="3657600" indent="0">
-              <a:buNone/>
-              <a:defRPr sz="900"/>
+            <a:lvl9pPr marL="2743200" indent="0">
+              <a:buNone/>
+              <a:defRPr sz="675"/>
             </a:lvl9pPr>
           </a:lstStyle>
           <a:p>
             <a:pPr lvl="0"/>
             <a:r>
-              <a:rPr lang="en-US" smtClean="0"/>
+              <a:rPr lang="en-US"/>
               <a:t>Click to edit Master text styles</a:t>
             </a:r>
           </a:p>
@@ -2533,7 +2514,7 @@
           <a:p>
             <a:fld id="{241EB5C9-1307-BA42-ABA2-0BC069CD8E7F}" type="datetimeFigureOut">
               <a:rPr lang="en-US" smtClean="0"/>
-              <a:t>4/5/2019</a:t>
+              <a:t>1/2/22</a:t>
             </a:fld>
             <a:endParaRPr lang="en-US"/>
           </a:p>
@@ -2628,8 +2609,8 @@
         </p:nvSpPr>
         <p:spPr>
           <a:xfrm>
-            <a:off x="457200" y="274638"/>
-            <a:ext cx="8229600" cy="1143000"/>
+            <a:off x="457200" y="205979"/>
+            <a:ext cx="8229600" cy="857250"/>
           </a:xfrm>
           <a:prstGeom prst="rect">
             <a:avLst/>
@@ -2642,10 +2623,9 @@
           <a:lstStyle/>
           <a:p>
             <a:r>
-              <a:rPr lang="en-US" smtClean="0"/>
+              <a:rPr lang="en-US"/>
               <a:t>Click to edit Master title style</a:t>
             </a:r>
-            <a:endParaRPr lang="en-US"/>
           </a:p>
         </p:txBody>
       </p:sp>
@@ -2661,8 +2641,8 @@
         </p:nvSpPr>
         <p:spPr>
           <a:xfrm>
-            <a:off x="457200" y="1600200"/>
-            <a:ext cx="8229600" cy="4525963"/>
+            <a:off x="457200" y="1200151"/>
+            <a:ext cx="8229600" cy="3394472"/>
           </a:xfrm>
           <a:prstGeom prst="rect">
             <a:avLst/>
@@ -2676,38 +2656,37 @@
           <a:p>
             <a:pPr lvl="0"/>
             <a:r>
-              <a:rPr lang="en-US" smtClean="0"/>
+              <a:rPr lang="en-US"/>
               <a:t>Click to edit Master text styles</a:t>
             </a:r>
           </a:p>
           <a:p>
             <a:pPr lvl="1"/>
             <a:r>
-              <a:rPr lang="en-US" smtClean="0"/>
+              <a:rPr lang="en-US"/>
               <a:t>Second level</a:t>
             </a:r>
           </a:p>
           <a:p>
             <a:pPr lvl="2"/>
             <a:r>
-              <a:rPr lang="en-US" smtClean="0"/>
+              <a:rPr lang="en-US"/>
               <a:t>Third level</a:t>
             </a:r>
           </a:p>
           <a:p>
             <a:pPr lvl="3"/>
             <a:r>
-              <a:rPr lang="en-US" smtClean="0"/>
+              <a:rPr lang="en-US"/>
               <a:t>Fourth level</a:t>
             </a:r>
           </a:p>
           <a:p>
             <a:pPr lvl="4"/>
             <a:r>
-              <a:rPr lang="en-US" smtClean="0"/>
+              <a:rPr lang="en-US"/>
               <a:t>Fifth level</a:t>
             </a:r>
-            <a:endParaRPr lang="en-US"/>
           </a:p>
         </p:txBody>
       </p:sp>
@@ -2723,8 +2702,8 @@
         </p:nvSpPr>
         <p:spPr>
           <a:xfrm>
-            <a:off x="457200" y="6356350"/>
-            <a:ext cx="2133600" cy="365125"/>
+            <a:off x="457200" y="4767263"/>
+            <a:ext cx="2133600" cy="273844"/>
           </a:xfrm>
           <a:prstGeom prst="rect">
             <a:avLst/>
@@ -2734,7 +2713,7 @@
           <a:bodyPr anchor="ctr" bIns="45720" lIns="91440" rIns="91440" rtlCol="0" tIns="45720" vert="horz"/>
           <a:lstStyle>
             <a:lvl1pPr algn="l">
-              <a:defRPr sz="1200">
+              <a:defRPr sz="900">
                 <a:solidFill>
                   <a:schemeClr val="tx1">
                     <a:tint val="75000"/>
@@ -2746,7 +2725,7 @@
           <a:p>
             <a:fld id="{241EB5C9-1307-BA42-ABA2-0BC069CD8E7F}" type="datetimeFigureOut">
               <a:rPr lang="en-US" smtClean="0"/>
-              <a:t>4/5/2019</a:t>
+              <a:t>1/2/22</a:t>
             </a:fld>
             <a:endParaRPr lang="en-US"/>
           </a:p>
@@ -2764,8 +2743,8 @@
         </p:nvSpPr>
         <p:spPr>
           <a:xfrm>
-            <a:off x="3124200" y="6356350"/>
-            <a:ext cx="2895600" cy="365125"/>
+            <a:off x="3124200" y="4767263"/>
+            <a:ext cx="2895600" cy="273844"/>
           </a:xfrm>
           <a:prstGeom prst="rect">
             <a:avLst/>
@@ -2775,7 +2754,7 @@
           <a:bodyPr anchor="ctr" bIns="45720" lIns="91440" rIns="91440" rtlCol="0" tIns="45720" vert="horz"/>
           <a:lstStyle>
             <a:lvl1pPr algn="ctr">
-              <a:defRPr sz="1200">
+              <a:defRPr sz="900">
                 <a:solidFill>
                   <a:schemeClr val="tx1">
                     <a:tint val="75000"/>
@@ -2801,8 +2780,8 @@
         </p:nvSpPr>
         <p:spPr>
           <a:xfrm>
-            <a:off x="6553200" y="6356350"/>
-            <a:ext cx="2133600" cy="365125"/>
+            <a:off x="6553200" y="4767263"/>
+            <a:ext cx="2133600" cy="273844"/>
           </a:xfrm>
           <a:prstGeom prst="rect">
             <a:avLst/>
@@ -2812,7 +2791,7 @@
           <a:bodyPr anchor="ctr" bIns="45720" lIns="91440" rIns="91440" rtlCol="0" tIns="45720" vert="horz"/>
           <a:lstStyle>
             <a:lvl1pPr algn="r">
-              <a:defRPr sz="1200">
+              <a:defRPr sz="900">
                 <a:solidFill>
                   <a:schemeClr val="tx1">
                     <a:tint val="75000"/>
@@ -2853,12 +2832,12 @@
   </p:sldLayoutIdLst>
   <p:txStyles>
     <p:titleStyle>
-      <a:lvl1pPr algn="ctr" defTabSz="457200" eaLnBrk="1" hangingPunct="1" latinLnBrk="0" rtl="0">
+      <a:lvl1pPr algn="ctr" defTabSz="342900" eaLnBrk="1" hangingPunct="1" latinLnBrk="0" rtl="0">
         <a:spcBef>
           <a:spcPct val="0"/>
         </a:spcBef>
         <a:buNone/>
-        <a:defRPr kern="1200" sz="4400">
+        <a:defRPr kern="1200" sz="3300">
           <a:solidFill>
             <a:schemeClr val="tx1"/>
           </a:solidFill>
@@ -2869,37 +2848,7 @@
       </a:lvl1pPr>
     </p:titleStyle>
     <p:bodyStyle>
-      <a:lvl1pPr algn="l" defTabSz="457200" eaLnBrk="1" hangingPunct="1" indent="-457200" latinLnBrk="0" marL="457200" rtl="0">
-        <a:spcBef>
-          <a:spcPct val="20000"/>
-        </a:spcBef>
-        <a:buFont typeface="Arial"/>
-        <a:buChar char="•"/>
-        <a:defRPr kern="1200" sz="3200">
-          <a:solidFill>
-            <a:schemeClr val="tx1"/>
-          </a:solidFill>
-          <a:latin typeface="+mn-lt"/>
-          <a:ea typeface="+mn-ea"/>
-          <a:cs typeface="+mn-cs"/>
-        </a:defRPr>
-      </a:lvl1pPr>
-      <a:lvl2pPr algn="l" defTabSz="457200" eaLnBrk="1" hangingPunct="1" indent="-457200" latinLnBrk="0" marL="914400" rtl="0">
-        <a:spcBef>
-          <a:spcPct val="20000"/>
-        </a:spcBef>
-        <a:buFont typeface="Arial"/>
-        <a:buChar char="–"/>
-        <a:defRPr kern="1200" sz="2800">
-          <a:solidFill>
-            <a:schemeClr val="tx1"/>
-          </a:solidFill>
-          <a:latin typeface="+mn-lt"/>
-          <a:ea typeface="+mn-ea"/>
-          <a:cs typeface="+mn-cs"/>
-        </a:defRPr>
-      </a:lvl2pPr>
-      <a:lvl3pPr algn="l" defTabSz="457200" eaLnBrk="1" hangingPunct="1" indent="-457200" latinLnBrk="0" marL="1371600" rtl="0">
+      <a:lvl1pPr algn="l" defTabSz="342900" eaLnBrk="1" hangingPunct="1" indent="-342900" latinLnBrk="0" marL="342900" rtl="0">
         <a:spcBef>
           <a:spcPct val="20000"/>
         </a:spcBef>
@@ -2913,14 +2862,44 @@
           <a:ea typeface="+mn-ea"/>
           <a:cs typeface="+mn-cs"/>
         </a:defRPr>
-      </a:lvl3pPr>
-      <a:lvl4pPr algn="l" defTabSz="457200" eaLnBrk="1" hangingPunct="1" indent="-457200" latinLnBrk="0" marL="1828800" rtl="0">
+      </a:lvl1pPr>
+      <a:lvl2pPr algn="l" defTabSz="342900" eaLnBrk="1" hangingPunct="1" indent="-342900" latinLnBrk="0" marL="685800" rtl="0">
         <a:spcBef>
           <a:spcPct val="20000"/>
         </a:spcBef>
         <a:buFont typeface="Arial"/>
         <a:buChar char="–"/>
-        <a:defRPr kern="1200" sz="2000">
+        <a:defRPr kern="1200" sz="2100">
+          <a:solidFill>
+            <a:schemeClr val="tx1"/>
+          </a:solidFill>
+          <a:latin typeface="+mn-lt"/>
+          <a:ea typeface="+mn-ea"/>
+          <a:cs typeface="+mn-cs"/>
+        </a:defRPr>
+      </a:lvl2pPr>
+      <a:lvl3pPr algn="l" defTabSz="342900" eaLnBrk="1" hangingPunct="1" indent="-342900" latinLnBrk="0" marL="1028700" rtl="0">
+        <a:spcBef>
+          <a:spcPct val="20000"/>
+        </a:spcBef>
+        <a:buFont typeface="Arial"/>
+        <a:buChar char="•"/>
+        <a:defRPr kern="1200" sz="1800">
+          <a:solidFill>
+            <a:schemeClr val="tx1"/>
+          </a:solidFill>
+          <a:latin typeface="+mn-lt"/>
+          <a:ea typeface="+mn-ea"/>
+          <a:cs typeface="+mn-cs"/>
+        </a:defRPr>
+      </a:lvl3pPr>
+      <a:lvl4pPr algn="l" defTabSz="342900" eaLnBrk="1" hangingPunct="1" indent="-342900" latinLnBrk="0" marL="1371600" rtl="0">
+        <a:spcBef>
+          <a:spcPct val="20000"/>
+        </a:spcBef>
+        <a:buFont typeface="Arial"/>
+        <a:buChar char="–"/>
+        <a:defRPr kern="1200" sz="1500">
           <a:solidFill>
             <a:schemeClr val="tx1"/>
           </a:solidFill>
@@ -2929,13 +2908,13 @@
           <a:cs typeface="+mn-cs"/>
         </a:defRPr>
       </a:lvl4pPr>
-      <a:lvl5pPr algn="l" defTabSz="457200" eaLnBrk="1" hangingPunct="1" indent="-457200" latinLnBrk="0" marL="2286000" rtl="0">
+      <a:lvl5pPr algn="l" defTabSz="342900" eaLnBrk="1" hangingPunct="1" indent="-342900" latinLnBrk="0" marL="1714500" rtl="0">
         <a:spcBef>
           <a:spcPct val="20000"/>
         </a:spcBef>
         <a:buFont typeface="Arial"/>
         <a:buChar char="»"/>
-        <a:defRPr kern="1200" sz="2000">
+        <a:defRPr kern="1200" sz="1500">
           <a:solidFill>
             <a:schemeClr val="tx1"/>
           </a:solidFill>
@@ -2944,13 +2923,13 @@
           <a:cs typeface="+mn-cs"/>
         </a:defRPr>
       </a:lvl5pPr>
-      <a:lvl6pPr algn="l" defTabSz="457200" eaLnBrk="1" hangingPunct="1" indent="-457200" latinLnBrk="0" marL="2743200" rtl="0">
+      <a:lvl6pPr algn="l" defTabSz="342900" eaLnBrk="1" hangingPunct="1" indent="-342900" latinLnBrk="0" marL="2057400" rtl="0">
         <a:spcBef>
           <a:spcPct val="20000"/>
         </a:spcBef>
         <a:buFont typeface="Arial"/>
         <a:buChar char="•"/>
-        <a:defRPr kern="1200" sz="2000">
+        <a:defRPr kern="1200" sz="1500">
           <a:solidFill>
             <a:schemeClr val="tx1"/>
           </a:solidFill>
@@ -2959,13 +2938,13 @@
           <a:cs typeface="+mn-cs"/>
         </a:defRPr>
       </a:lvl6pPr>
-      <a:lvl7pPr algn="l" defTabSz="457200" eaLnBrk="1" hangingPunct="1" indent="-457200" latinLnBrk="0" marL="3200400" rtl="0">
+      <a:lvl7pPr algn="l" defTabSz="342900" eaLnBrk="1" hangingPunct="1" indent="-342900" latinLnBrk="0" marL="2400300" rtl="0">
         <a:spcBef>
           <a:spcPct val="20000"/>
         </a:spcBef>
         <a:buFont typeface="Arial"/>
         <a:buChar char="•"/>
-        <a:defRPr kern="1200" sz="2000">
+        <a:defRPr kern="1200" sz="1500">
           <a:solidFill>
             <a:schemeClr val="tx1"/>
           </a:solidFill>
@@ -2974,13 +2953,13 @@
           <a:cs typeface="+mn-cs"/>
         </a:defRPr>
       </a:lvl7pPr>
-      <a:lvl8pPr algn="l" defTabSz="457200" eaLnBrk="1" hangingPunct="1" indent="-457200" latinLnBrk="0" marL="3657600" rtl="0">
+      <a:lvl8pPr algn="l" defTabSz="342900" eaLnBrk="1" hangingPunct="1" indent="-342900" latinLnBrk="0" marL="2743200" rtl="0">
         <a:spcBef>
           <a:spcPct val="20000"/>
         </a:spcBef>
         <a:buFont typeface="Arial"/>
         <a:buChar char="•"/>
-        <a:defRPr kern="1200" sz="2000">
+        <a:defRPr kern="1200" sz="1500">
           <a:solidFill>
             <a:schemeClr val="tx1"/>
           </a:solidFill>
@@ -2989,13 +2968,13 @@
           <a:cs typeface="+mn-cs"/>
         </a:defRPr>
       </a:lvl8pPr>
-      <a:lvl9pPr algn="l" defTabSz="457200" eaLnBrk="1" hangingPunct="1" indent="-457200" latinLnBrk="0" marL="4114800" rtl="0">
+      <a:lvl9pPr algn="l" defTabSz="342900" eaLnBrk="1" hangingPunct="1" indent="-342900" latinLnBrk="0" marL="3086100" rtl="0">
         <a:spcBef>
           <a:spcPct val="20000"/>
         </a:spcBef>
         <a:buFont typeface="Arial"/>
         <a:buChar char="•"/>
-        <a:defRPr kern="1200" sz="2000">
+        <a:defRPr kern="1200" sz="1500">
           <a:solidFill>
             <a:schemeClr val="tx1"/>
           </a:solidFill>
@@ -3009,8 +2988,8 @@
       <a:defPPr>
         <a:defRPr lang="en-US"/>
       </a:defPPr>
-      <a:lvl1pPr algn="l" defTabSz="457200" eaLnBrk="1" hangingPunct="1" latinLnBrk="0" marL="0" rtl="0">
-        <a:defRPr kern="1200" sz="1800">
+      <a:lvl1pPr algn="l" defTabSz="342900" eaLnBrk="1" hangingPunct="1" latinLnBrk="0" marL="0" rtl="0">
+        <a:defRPr kern="1200" sz="1350">
           <a:solidFill>
             <a:schemeClr val="tx1"/>
           </a:solidFill>
@@ -3019,8 +2998,8 @@
           <a:cs typeface="+mn-cs"/>
         </a:defRPr>
       </a:lvl1pPr>
-      <a:lvl2pPr algn="l" defTabSz="457200" eaLnBrk="1" hangingPunct="1" latinLnBrk="0" marL="457200" rtl="0">
-        <a:defRPr kern="1200" sz="1800">
+      <a:lvl2pPr algn="l" defTabSz="342900" eaLnBrk="1" hangingPunct="1" latinLnBrk="0" marL="342900" rtl="0">
+        <a:defRPr kern="1200" sz="1350">
           <a:solidFill>
             <a:schemeClr val="tx1"/>
           </a:solidFill>
@@ -3029,8 +3008,8 @@
           <a:cs typeface="+mn-cs"/>
         </a:defRPr>
       </a:lvl2pPr>
-      <a:lvl3pPr algn="l" defTabSz="457200" eaLnBrk="1" hangingPunct="1" latinLnBrk="0" marL="914400" rtl="0">
-        <a:defRPr kern="1200" sz="1800">
+      <a:lvl3pPr algn="l" defTabSz="342900" eaLnBrk="1" hangingPunct="1" latinLnBrk="0" marL="685800" rtl="0">
+        <a:defRPr kern="1200" sz="1350">
           <a:solidFill>
             <a:schemeClr val="tx1"/>
           </a:solidFill>
@@ -3039,8 +3018,8 @@
           <a:cs typeface="+mn-cs"/>
         </a:defRPr>
       </a:lvl3pPr>
-      <a:lvl4pPr algn="l" defTabSz="457200" eaLnBrk="1" hangingPunct="1" latinLnBrk="0" marL="1371600" rtl="0">
-        <a:defRPr kern="1200" sz="1800">
+      <a:lvl4pPr algn="l" defTabSz="342900" eaLnBrk="1" hangingPunct="1" latinLnBrk="0" marL="1028700" rtl="0">
+        <a:defRPr kern="1200" sz="1350">
           <a:solidFill>
             <a:schemeClr val="tx1"/>
           </a:solidFill>
@@ -3049,8 +3028,8 @@
           <a:cs typeface="+mn-cs"/>
         </a:defRPr>
       </a:lvl4pPr>
-      <a:lvl5pPr algn="l" defTabSz="457200" eaLnBrk="1" hangingPunct="1" latinLnBrk="0" marL="1828800" rtl="0">
-        <a:defRPr kern="1200" sz="1800">
+      <a:lvl5pPr algn="l" defTabSz="342900" eaLnBrk="1" hangingPunct="1" latinLnBrk="0" marL="1371600" rtl="0">
+        <a:defRPr kern="1200" sz="1350">
           <a:solidFill>
             <a:schemeClr val="tx1"/>
           </a:solidFill>
@@ -3059,8 +3038,8 @@
           <a:cs typeface="+mn-cs"/>
         </a:defRPr>
       </a:lvl5pPr>
-      <a:lvl6pPr algn="l" defTabSz="457200" eaLnBrk="1" hangingPunct="1" latinLnBrk="0" marL="2286000" rtl="0">
-        <a:defRPr kern="1200" sz="1800">
+      <a:lvl6pPr algn="l" defTabSz="342900" eaLnBrk="1" hangingPunct="1" latinLnBrk="0" marL="1714500" rtl="0">
+        <a:defRPr kern="1200" sz="1350">
           <a:solidFill>
             <a:schemeClr val="tx1"/>
           </a:solidFill>
@@ -3069,8 +3048,8 @@
           <a:cs typeface="+mn-cs"/>
         </a:defRPr>
       </a:lvl6pPr>
-      <a:lvl7pPr algn="l" defTabSz="457200" eaLnBrk="1" hangingPunct="1" latinLnBrk="0" marL="2743200" rtl="0">
-        <a:defRPr kern="1200" sz="1800">
+      <a:lvl7pPr algn="l" defTabSz="342900" eaLnBrk="1" hangingPunct="1" latinLnBrk="0" marL="2057400" rtl="0">
+        <a:defRPr kern="1200" sz="1350">
           <a:solidFill>
             <a:schemeClr val="tx1"/>
           </a:solidFill>
@@ -3079,8 +3058,8 @@
           <a:cs typeface="+mn-cs"/>
         </a:defRPr>
       </a:lvl7pPr>
-      <a:lvl8pPr algn="l" defTabSz="457200" eaLnBrk="1" hangingPunct="1" latinLnBrk="0" marL="3200400" rtl="0">
-        <a:defRPr kern="1200" sz="1800">
+      <a:lvl8pPr algn="l" defTabSz="342900" eaLnBrk="1" hangingPunct="1" latinLnBrk="0" marL="2400300" rtl="0">
+        <a:defRPr kern="1200" sz="1350">
           <a:solidFill>
             <a:schemeClr val="tx1"/>
           </a:solidFill>
@@ -3089,8 +3068,8 @@
           <a:cs typeface="+mn-cs"/>
         </a:defRPr>
       </a:lvl8pPr>
-      <a:lvl9pPr algn="l" defTabSz="457200" eaLnBrk="1" hangingPunct="1" latinLnBrk="0" marL="3657600" rtl="0">
-        <a:defRPr kern="1200" sz="1800">
+      <a:lvl9pPr algn="l" defTabSz="342900" eaLnBrk="1" hangingPunct="1" latinLnBrk="0" marL="2743200" rtl="0">
+        <a:defRPr kern="1200" sz="1350">
           <a:solidFill>
             <a:schemeClr val="tx1"/>
           </a:solidFill>
@@ -4659,7 +4638,7 @@
           <a:bodyPr/>
           <a:lstStyle/>
           <a:p>
-            <a:pPr lvl="0" indent="-457200" marL="457200">
+            <a:pPr lvl="0" indent="-342900" marL="342900">
               <a:buAutoNum type="arabicPeriod"/>
             </a:pPr>
             <a:r>
@@ -4668,7 +4647,7 @@
             </a:r>
           </a:p>
           <a:p>
-            <a:pPr lvl="0" indent="-457200" marL="457200">
+            <a:pPr lvl="0" indent="-342900" marL="342900">
               <a:buAutoNum type="arabicPeriod"/>
             </a:pPr>
             <a:r>
@@ -4677,7 +4656,7 @@
             </a:r>
           </a:p>
           <a:p>
-            <a:pPr lvl="0" indent="-457200" marL="457200">
+            <a:pPr lvl="0" indent="-342900" marL="342900">
               <a:buAutoNum type="arabicPeriod"/>
             </a:pPr>
             <a:r>
@@ -5436,8 +5415,8 @@
         </p:blipFill>
         <p:spPr bwMode="auto">
           <a:xfrm>
-            <a:off x="469900" y="1600200"/>
-            <a:ext cx="4013200" cy="4013200"/>
+            <a:off x="1041400" y="1193800"/>
+            <a:ext cx="2882900" cy="2882900"/>
           </a:xfrm>
           <a:prstGeom prst="rect">
             <a:avLst/>
@@ -5458,7 +5437,7 @@
         </p:nvSpPr>
         <p:spPr>
           <a:xfrm>
-            <a:off x="457200" y="5613400"/>
+            <a:off x="457200" y="4076700"/>
             <a:ext cx="4038600" cy="508000"/>
           </a:xfrm>
           <a:prstGeom prst="rect">
@@ -5731,8 +5710,8 @@
         </p:nvSpPr>
         <p:spPr>
           <a:xfrm>
-            <a:off x="457200" y="273050"/>
-            <a:ext cx="3008313" cy="1162050"/>
+            <a:off x="457201" y="204787"/>
+            <a:ext cx="3008313" cy="871538"/>
           </a:xfrm>
         </p:spPr>
         <p:txBody>
@@ -5820,8 +5799,8 @@
         </p:blipFill>
         <p:spPr bwMode="auto">
           <a:xfrm>
-            <a:off x="3568700" y="381000"/>
-            <a:ext cx="5105400" cy="5105400"/>
+            <a:off x="4191000" y="203200"/>
+            <a:ext cx="3873500" cy="3873500"/>
           </a:xfrm>
           <a:prstGeom prst="rect">
             <a:avLst/>
@@ -5842,7 +5821,7 @@
         </p:nvSpPr>
         <p:spPr>
           <a:xfrm>
-            <a:off x="3568700" y="5600700"/>
+            <a:off x="3568700" y="4076700"/>
             <a:ext cx="5105400" cy="508000"/>
           </a:xfrm>
           <a:prstGeom prst="rect">
@@ -6144,8 +6123,8 @@
         </p:blipFill>
         <p:spPr bwMode="auto">
           <a:xfrm>
-            <a:off x="762000" y="2171700"/>
-            <a:ext cx="3441700" cy="3441700"/>
+            <a:off x="1244600" y="1625600"/>
+            <a:ext cx="2451100" cy="2451100"/>
           </a:xfrm>
           <a:prstGeom prst="rect">
             <a:avLst/>
@@ -6166,7 +6145,7 @@
         </p:nvSpPr>
         <p:spPr>
           <a:xfrm>
-            <a:off x="457200" y="5613400"/>
+            <a:off x="457200" y="4076700"/>
             <a:ext cx="4038600" cy="508000"/>
           </a:xfrm>
           <a:prstGeom prst="rect">
@@ -6203,7 +6182,7 @@
           <a:bodyPr/>
           <a:lstStyle/>
           <a:p>
-            <a:pPr lvl="0" indent="-457200" marL="457200">
+            <a:pPr lvl="0" indent="-342900" marL="342900">
               <a:buAutoNum type="arabicPeriod"/>
             </a:pPr>
             <a:r>
@@ -6212,7 +6191,7 @@
             </a:r>
           </a:p>
           <a:p>
-            <a:pPr lvl="0" indent="-457200" marL="457200">
+            <a:pPr lvl="0" indent="-342900" marL="342900">
               <a:buAutoNum type="arabicPeriod"/>
             </a:pPr>
             <a:r>
@@ -6221,7 +6200,7 @@
             </a:r>
           </a:p>
           <a:p>
-            <a:pPr lvl="0" indent="-457200" marL="457200">
+            <a:pPr lvl="0" indent="-342900" marL="342900">
               <a:buAutoNum type="arabicPeriod"/>
             </a:pPr>
             <a:r>
@@ -6242,8 +6221,8 @@
           </p:nvPr>
         </p:nvGraphicFramePr>
         <p:xfrm>
-          <a:off x="4635500" y="2171700"/>
-          <a:ext cx="4038600" cy="3949700"/>
+          <a:off x="4635500" y="1625600"/>
+          <a:ext cx="4038600" cy="2959100"/>
         </p:xfrm>
         <a:graphic>
           <a:graphicData uri="http://schemas.openxmlformats.org/drawingml/2006/table">
